--- a/ppt/너와 함께 II 2차.pptx
+++ b/ppt/너와 함께 II 2차.pptx
@@ -1,6 +1,6 @@
 
 <file path=ppt/presentation.xml><?xml version="1.0" encoding="utf-8"?>
-<p:presentation xmlns:r="http://schemas.openxmlformats.org/officeDocument/2006/relationships" xmlns:c="http://schemas.openxmlformats.org/drawingml/2006/chart" xmlns:a="http://schemas.openxmlformats.org/drawingml/2006/main" xmlns:dgm="http://schemas.openxmlformats.org/drawingml/2006/diagram" xmlns:dsp="http://schemas.microsoft.com/office/drawing/2008/diagram" xmlns:p="http://schemas.openxmlformats.org/presentationml/2006/main" saveSubsetFonts="1">
+<p:presentation xmlns:a="http://schemas.openxmlformats.org/drawingml/2006/main" xmlns:r="http://schemas.openxmlformats.org/officeDocument/2006/relationships" xmlns:p="http://schemas.openxmlformats.org/presentationml/2006/main" saveSubsetFonts="1">
   <p:sldMasterIdLst>
     <p:sldMasterId id="2147483719" r:id="rId1"/>
   </p:sldMasterIdLst>
@@ -109,11 +109,27 @@
       </a:defRPr>
     </a:lvl9pPr>
   </p:defaultTextStyle>
+  <p:extLst>
+    <p:ext uri="{EFAFB233-063F-42B5-8137-9DF3F51BA10A}">
+      <p15:sldGuideLst xmlns:p15="http://schemas.microsoft.com/office/powerpoint/2012/main">
+        <p15:guide id="1" orient="horz" pos="2154">
+          <p15:clr>
+            <a:srgbClr val="A4A3A4"/>
+          </p15:clr>
+        </p15:guide>
+        <p15:guide id="2" pos="2878">
+          <p15:clr>
+            <a:srgbClr val="A4A3A4"/>
+          </p15:clr>
+        </p15:guide>
+      </p15:sldGuideLst>
+    </p:ext>
+  </p:extLst>
 </p:presentation>
 </file>
 
 <file path=ppt/slideLayouts/slideLayout1.xml><?xml version="1.0" encoding="utf-8"?>
-<p:sldLayout xmlns:r="http://schemas.openxmlformats.org/officeDocument/2006/relationships" xmlns:c="http://schemas.openxmlformats.org/drawingml/2006/chart" xmlns:a="http://schemas.openxmlformats.org/drawingml/2006/main" xmlns:dgm="http://schemas.openxmlformats.org/drawingml/2006/diagram" xmlns:dsp="http://schemas.microsoft.com/office/drawing/2008/diagram" xmlns:p="http://schemas.openxmlformats.org/presentationml/2006/main" showMasterPhAnim="1" type="title" preserve="1">
+<p:sldLayout xmlns:a="http://schemas.openxmlformats.org/drawingml/2006/main" xmlns:r="http://schemas.openxmlformats.org/officeDocument/2006/relationships" xmlns:p="http://schemas.openxmlformats.org/presentationml/2006/main" type="title" preserve="1">
   <p:cSld name="제목 슬라이드">
     <p:spTree>
       <p:nvGrpSpPr>
@@ -136,7 +152,7 @@
             <a:spLocks noGrp="1"/>
           </p:cNvSpPr>
           <p:nvPr>
-            <p:ph type="ctrTitle" idx="0"/>
+            <p:ph type="ctrTitle"/>
           </p:nvPr>
         </p:nvSpPr>
         <p:spPr>
@@ -294,7 +310,7 @@
             <a:fld id="{940A130E-E3B8-4EBE-931F-81B26B8448AA}" type="datetime1">
               <a:rPr lang="ko-KR" altLang="en-US" smtClean="0"/>
               <a:pPr/>
-              <a:t>2009-12-07</a:t>
+              <a:t>2015-12-15</a:t>
             </a:fld>
             <a:endParaRPr lang="ko-KR" altLang="en-US"/>
           </a:p>
@@ -352,7 +368,7 @@
 </file>
 
 <file path=ppt/slideLayouts/slideLayout10.xml><?xml version="1.0" encoding="utf-8"?>
-<p:sldLayout xmlns:r="http://schemas.openxmlformats.org/officeDocument/2006/relationships" xmlns:c="http://schemas.openxmlformats.org/drawingml/2006/chart" xmlns:a="http://schemas.openxmlformats.org/drawingml/2006/main" xmlns:dgm="http://schemas.openxmlformats.org/drawingml/2006/diagram" xmlns:dsp="http://schemas.microsoft.com/office/drawing/2008/diagram" xmlns:p="http://schemas.openxmlformats.org/presentationml/2006/main" showMasterPhAnim="1" type="objOnly" preserve="1">
+<p:sldLayout xmlns:a="http://schemas.openxmlformats.org/drawingml/2006/main" xmlns:r="http://schemas.openxmlformats.org/officeDocument/2006/relationships" xmlns:p="http://schemas.openxmlformats.org/presentationml/2006/main" type="objOnly" preserve="1">
   <p:cSld name="간지">
     <p:spTree>
       <p:nvGrpSpPr>
@@ -375,7 +391,7 @@
             <a:spLocks noGrp="1"/>
           </p:cNvSpPr>
           <p:nvPr>
-            <p:ph type="ctrTitle" idx="0"/>
+            <p:ph type="ctrTitle"/>
           </p:nvPr>
         </p:nvSpPr>
         <p:spPr>
@@ -386,7 +402,7 @@
         </p:spPr>
         <p:txBody>
           <a:bodyPr>
-            <a:normAutofit lnSpcReduction="0"/>
+            <a:normAutofit/>
           </a:bodyPr>
           <a:lstStyle>
             <a:lvl1pPr>
@@ -420,7 +436,7 @@
             <a:fld id="{CA348888-F454-4AD2-BA62-3AF29D9807C0}" type="datetime1">
               <a:rPr lang="ko-KR" altLang="en-US" smtClean="0"/>
               <a:pPr/>
-              <a:t>2009-12-07</a:t>
+              <a:t>2015-12-15</a:t>
             </a:fld>
             <a:endParaRPr lang="ko-KR" altLang="en-US"/>
           </a:p>
@@ -478,7 +494,7 @@
 </file>
 
 <file path=ppt/slideLayouts/slideLayout11.xml><?xml version="1.0" encoding="utf-8"?>
-<p:sldLayout xmlns:r="http://schemas.openxmlformats.org/officeDocument/2006/relationships" xmlns:c="http://schemas.openxmlformats.org/drawingml/2006/chart" xmlns:a="http://schemas.openxmlformats.org/drawingml/2006/main" xmlns:dgm="http://schemas.openxmlformats.org/drawingml/2006/diagram" xmlns:dsp="http://schemas.microsoft.com/office/drawing/2008/diagram" xmlns:p="http://schemas.openxmlformats.org/presentationml/2006/main" showMasterPhAnim="1" type="clipArtAndTx" preserve="1">
+<p:sldLayout xmlns:a="http://schemas.openxmlformats.org/drawingml/2006/main" xmlns:r="http://schemas.openxmlformats.org/officeDocument/2006/relationships" xmlns:p="http://schemas.openxmlformats.org/presentationml/2006/main" type="clipArtAndTx" preserve="1">
   <p:cSld name="목차">
     <p:spTree>
       <p:nvGrpSpPr>
@@ -501,7 +517,7 @@
             <a:spLocks noGrp="1"/>
           </p:cNvSpPr>
           <p:nvPr>
-            <p:ph type="title" idx="0"/>
+            <p:ph type="title"/>
           </p:nvPr>
         </p:nvSpPr>
         <p:spPr>
@@ -544,7 +560,7 @@
         </p:spPr>
         <p:txBody>
           <a:bodyPr>
-            <a:normAutofit lnSpcReduction="0"/>
+            <a:normAutofit/>
           </a:bodyPr>
           <a:lstStyle>
             <a:lvl1pPr>
@@ -614,7 +630,7 @@
             <a:fld id="{956FEC12-A4C9-4837-AF94-AD867782C04C}" type="datetime1">
               <a:rPr lang="ko-KR" altLang="en-US" smtClean="0"/>
               <a:pPr/>
-              <a:t>2009-12-07</a:t>
+              <a:t>2015-12-15</a:t>
             </a:fld>
             <a:endParaRPr lang="ko-KR" altLang="en-US"/>
           </a:p>
@@ -672,7 +688,7 @@
 </file>
 
 <file path=ppt/slideLayouts/slideLayout12.xml><?xml version="1.0" encoding="utf-8"?>
-<p:sldLayout xmlns:r="http://schemas.openxmlformats.org/officeDocument/2006/relationships" xmlns:c="http://schemas.openxmlformats.org/drawingml/2006/chart" xmlns:a="http://schemas.openxmlformats.org/drawingml/2006/main" xmlns:dgm="http://schemas.openxmlformats.org/drawingml/2006/diagram" xmlns:dsp="http://schemas.microsoft.com/office/drawing/2008/diagram" xmlns:p="http://schemas.openxmlformats.org/presentationml/2006/main" showMasterPhAnim="1" type="vertTitleAndTx" preserve="1">
+<p:sldLayout xmlns:a="http://schemas.openxmlformats.org/drawingml/2006/main" xmlns:r="http://schemas.openxmlformats.org/officeDocument/2006/relationships" xmlns:p="http://schemas.openxmlformats.org/presentationml/2006/main" type="vertTitleAndTx" preserve="1">
   <p:cSld name="세로 제목 및 본문">
     <p:spTree>
       <p:nvGrpSpPr>
@@ -695,7 +711,7 @@
             <a:spLocks noGrp="1"/>
           </p:cNvSpPr>
           <p:nvPr>
-            <p:ph type="title" orient="vert" idx="0"/>
+            <p:ph type="title" orient="vert"/>
           </p:nvPr>
         </p:nvSpPr>
         <p:spPr>
@@ -791,7 +807,7 @@
             <a:fld id="{957F84A3-4F29-4053-ACFD-1BAF2D3F140C}" type="datetime1">
               <a:rPr lang="ko-KR" altLang="en-US" smtClean="0"/>
               <a:pPr/>
-              <a:t>2009-12-07</a:t>
+              <a:t>2015-12-15</a:t>
             </a:fld>
             <a:endParaRPr lang="ko-KR" altLang="en-US"/>
           </a:p>
@@ -849,7 +865,7 @@
 </file>
 
 <file path=ppt/slideLayouts/slideLayout2.xml><?xml version="1.0" encoding="utf-8"?>
-<p:sldLayout xmlns:r="http://schemas.openxmlformats.org/officeDocument/2006/relationships" xmlns:c="http://schemas.openxmlformats.org/drawingml/2006/chart" xmlns:a="http://schemas.openxmlformats.org/drawingml/2006/main" xmlns:dgm="http://schemas.openxmlformats.org/drawingml/2006/diagram" xmlns:dsp="http://schemas.microsoft.com/office/drawing/2008/diagram" xmlns:p="http://schemas.openxmlformats.org/presentationml/2006/main" showMasterPhAnim="1" type="obj" preserve="1">
+<p:sldLayout xmlns:a="http://schemas.openxmlformats.org/drawingml/2006/main" xmlns:r="http://schemas.openxmlformats.org/officeDocument/2006/relationships" xmlns:p="http://schemas.openxmlformats.org/presentationml/2006/main" type="obj" preserve="1">
   <p:cSld name="제목 및 내용">
     <p:spTree>
       <p:nvGrpSpPr>
@@ -872,7 +888,7 @@
             <a:spLocks noGrp="1"/>
           </p:cNvSpPr>
           <p:nvPr>
-            <p:ph type="title" idx="0"/>
+            <p:ph type="title"/>
           </p:nvPr>
         </p:nvSpPr>
         <p:spPr/>
@@ -958,7 +974,7 @@
             <a:fld id="{4953836A-82A3-4C8B-9D31-CD724F3673ED}" type="datetime1">
               <a:rPr lang="ko-KR" altLang="en-US" smtClean="0"/>
               <a:pPr/>
-              <a:t>2009-12-07</a:t>
+              <a:t>2015-12-15</a:t>
             </a:fld>
             <a:endParaRPr lang="ko-KR" altLang="en-US"/>
           </a:p>
@@ -1016,7 +1032,7 @@
 </file>
 
 <file path=ppt/slideLayouts/slideLayout3.xml><?xml version="1.0" encoding="utf-8"?>
-<p:sldLayout xmlns:r="http://schemas.openxmlformats.org/officeDocument/2006/relationships" xmlns:c="http://schemas.openxmlformats.org/drawingml/2006/chart" xmlns:a="http://schemas.openxmlformats.org/drawingml/2006/main" xmlns:dgm="http://schemas.openxmlformats.org/drawingml/2006/diagram" xmlns:dsp="http://schemas.microsoft.com/office/drawing/2008/diagram" xmlns:p="http://schemas.openxmlformats.org/presentationml/2006/main" showMasterPhAnim="1" type="blank" preserve="1">
+<p:sldLayout xmlns:a="http://schemas.openxmlformats.org/drawingml/2006/main" xmlns:r="http://schemas.openxmlformats.org/officeDocument/2006/relationships" xmlns:p="http://schemas.openxmlformats.org/presentationml/2006/main" type="blank" preserve="1">
   <p:cSld name="빈 화면">
     <p:spTree>
       <p:nvGrpSpPr>
@@ -1050,7 +1066,7 @@
             <a:fld id="{AD2EBAF6-36D0-4DD8-B695-D4C1B37E35D6}" type="datetime1">
               <a:rPr lang="ko-KR" altLang="en-US" smtClean="0"/>
               <a:pPr/>
-              <a:t>2009-12-07</a:t>
+              <a:t>2015-12-15</a:t>
             </a:fld>
             <a:endParaRPr lang="ko-KR" altLang="en-US"/>
           </a:p>
@@ -1108,7 +1124,7 @@
 </file>
 
 <file path=ppt/slideLayouts/slideLayout4.xml><?xml version="1.0" encoding="utf-8"?>
-<p:sldLayout xmlns:r="http://schemas.openxmlformats.org/officeDocument/2006/relationships" xmlns:c="http://schemas.openxmlformats.org/drawingml/2006/chart" xmlns:a="http://schemas.openxmlformats.org/drawingml/2006/main" xmlns:dgm="http://schemas.openxmlformats.org/drawingml/2006/diagram" xmlns:dsp="http://schemas.microsoft.com/office/drawing/2008/diagram" xmlns:p="http://schemas.openxmlformats.org/presentationml/2006/main" showMasterPhAnim="1" type="secHead" preserve="1">
+<p:sldLayout xmlns:a="http://schemas.openxmlformats.org/drawingml/2006/main" xmlns:r="http://schemas.openxmlformats.org/officeDocument/2006/relationships" xmlns:p="http://schemas.openxmlformats.org/presentationml/2006/main" type="secHead" preserve="1">
   <p:cSld name="구역 머리글">
     <p:spTree>
       <p:nvGrpSpPr>
@@ -1131,7 +1147,7 @@
             <a:spLocks noGrp="1"/>
           </p:cNvSpPr>
           <p:nvPr>
-            <p:ph type="title" idx="0"/>
+            <p:ph type="title"/>
           </p:nvPr>
         </p:nvSpPr>
         <p:spPr>
@@ -1293,7 +1309,7 @@
             <a:fld id="{60728D28-603B-4EFC-80F8-17E5E9107035}" type="datetime1">
               <a:rPr lang="ko-KR" altLang="en-US" smtClean="0"/>
               <a:pPr/>
-              <a:t>2009-12-07</a:t>
+              <a:t>2015-12-15</a:t>
             </a:fld>
             <a:endParaRPr lang="ko-KR" altLang="en-US"/>
           </a:p>
@@ -1351,7 +1367,7 @@
 </file>
 
 <file path=ppt/slideLayouts/slideLayout5.xml><?xml version="1.0" encoding="utf-8"?>
-<p:sldLayout xmlns:r="http://schemas.openxmlformats.org/officeDocument/2006/relationships" xmlns:c="http://schemas.openxmlformats.org/drawingml/2006/chart" xmlns:a="http://schemas.openxmlformats.org/drawingml/2006/main" xmlns:dgm="http://schemas.openxmlformats.org/drawingml/2006/diagram" xmlns:dsp="http://schemas.microsoft.com/office/drawing/2008/diagram" xmlns:p="http://schemas.openxmlformats.org/presentationml/2006/main" showMasterPhAnim="1" type="twoObj" preserve="1">
+<p:sldLayout xmlns:a="http://schemas.openxmlformats.org/drawingml/2006/main" xmlns:r="http://schemas.openxmlformats.org/officeDocument/2006/relationships" xmlns:p="http://schemas.openxmlformats.org/presentationml/2006/main" type="twoObj" preserve="1">
   <p:cSld name="제목 및 내용 2개">
     <p:spTree>
       <p:nvGrpSpPr>
@@ -1374,7 +1390,7 @@
             <a:spLocks noGrp="1"/>
           </p:cNvSpPr>
           <p:nvPr>
-            <p:ph type="title" idx="0"/>
+            <p:ph type="title"/>
           </p:nvPr>
         </p:nvSpPr>
         <p:spPr/>
@@ -1578,7 +1594,7 @@
             <a:fld id="{A27A1F4E-0809-4239-8034-C38E431DAF92}" type="datetime1">
               <a:rPr lang="ko-KR" altLang="en-US" smtClean="0"/>
               <a:pPr/>
-              <a:t>2009-12-07</a:t>
+              <a:t>2015-12-15</a:t>
             </a:fld>
             <a:endParaRPr lang="ko-KR" altLang="en-US"/>
           </a:p>
@@ -1636,7 +1652,7 @@
 </file>
 
 <file path=ppt/slideLayouts/slideLayout6.xml><?xml version="1.0" encoding="utf-8"?>
-<p:sldLayout xmlns:r="http://schemas.openxmlformats.org/officeDocument/2006/relationships" xmlns:c="http://schemas.openxmlformats.org/drawingml/2006/chart" xmlns:a="http://schemas.openxmlformats.org/drawingml/2006/main" xmlns:dgm="http://schemas.openxmlformats.org/drawingml/2006/diagram" xmlns:dsp="http://schemas.microsoft.com/office/drawing/2008/diagram" xmlns:p="http://schemas.openxmlformats.org/presentationml/2006/main" showMasterPhAnim="1" type="titleOnly" preserve="1">
+<p:sldLayout xmlns:a="http://schemas.openxmlformats.org/drawingml/2006/main" xmlns:r="http://schemas.openxmlformats.org/officeDocument/2006/relationships" xmlns:p="http://schemas.openxmlformats.org/presentationml/2006/main" type="titleOnly" preserve="1">
   <p:cSld name="제목만">
     <p:spTree>
       <p:nvGrpSpPr>
@@ -1659,7 +1675,7 @@
             <a:spLocks noGrp="1"/>
           </p:cNvSpPr>
           <p:nvPr>
-            <p:ph type="title" idx="0"/>
+            <p:ph type="title"/>
           </p:nvPr>
         </p:nvSpPr>
         <p:spPr/>
@@ -1693,7 +1709,7 @@
             <a:fld id="{5E0DA496-7307-4E8B-88DE-CB97B48BAB6F}" type="datetime1">
               <a:rPr lang="ko-KR" altLang="en-US" smtClean="0"/>
               <a:pPr/>
-              <a:t>2009-12-07</a:t>
+              <a:t>2015-12-15</a:t>
             </a:fld>
             <a:endParaRPr lang="ko-KR" altLang="en-US"/>
           </a:p>
@@ -1751,7 +1767,7 @@
 </file>
 
 <file path=ppt/slideLayouts/slideLayout7.xml><?xml version="1.0" encoding="utf-8"?>
-<p:sldLayout xmlns:r="http://schemas.openxmlformats.org/officeDocument/2006/relationships" xmlns:c="http://schemas.openxmlformats.org/drawingml/2006/chart" xmlns:a="http://schemas.openxmlformats.org/drawingml/2006/main" xmlns:dgm="http://schemas.openxmlformats.org/drawingml/2006/diagram" xmlns:dsp="http://schemas.microsoft.com/office/drawing/2008/diagram" xmlns:p="http://schemas.openxmlformats.org/presentationml/2006/main" showMasterPhAnim="1" type="tbl" preserve="1">
+<p:sldLayout xmlns:a="http://schemas.openxmlformats.org/drawingml/2006/main" xmlns:r="http://schemas.openxmlformats.org/officeDocument/2006/relationships" xmlns:p="http://schemas.openxmlformats.org/presentationml/2006/main" type="tbl" preserve="1">
   <p:cSld name="제목 및 표">
     <p:spTree>
       <p:nvGrpSpPr>
@@ -1774,7 +1790,7 @@
             <a:spLocks noGrp="1"/>
           </p:cNvSpPr>
           <p:nvPr>
-            <p:ph type="title" idx="0"/>
+            <p:ph type="title"/>
           </p:nvPr>
         </p:nvSpPr>
         <p:spPr/>
@@ -1842,7 +1858,7 @@
             <a:fld id="{58721E90-850C-410B-8B89-8394F580CFDA}" type="datetime1">
               <a:rPr lang="ko-KR" altLang="en-US" smtClean="0"/>
               <a:pPr/>
-              <a:t>2009-12-07</a:t>
+              <a:t>2015-12-15</a:t>
             </a:fld>
             <a:endParaRPr lang="ko-KR" altLang="en-US"/>
           </a:p>
@@ -1900,7 +1916,7 @@
 </file>
 
 <file path=ppt/slideLayouts/slideLayout8.xml><?xml version="1.0" encoding="utf-8"?>
-<p:sldLayout xmlns:r="http://schemas.openxmlformats.org/officeDocument/2006/relationships" xmlns:c="http://schemas.openxmlformats.org/drawingml/2006/chart" xmlns:a="http://schemas.openxmlformats.org/drawingml/2006/main" xmlns:dgm="http://schemas.openxmlformats.org/drawingml/2006/diagram" xmlns:dsp="http://schemas.microsoft.com/office/drawing/2008/diagram" xmlns:p="http://schemas.openxmlformats.org/presentationml/2006/main" showMasterPhAnim="1" type="fourObj" preserve="1">
+<p:sldLayout xmlns:a="http://schemas.openxmlformats.org/drawingml/2006/main" xmlns:r="http://schemas.openxmlformats.org/officeDocument/2006/relationships" xmlns:p="http://schemas.openxmlformats.org/presentationml/2006/main" type="fourObj" preserve="1">
   <p:cSld name="제목 및 내용 4개">
     <p:spTree>
       <p:nvGrpSpPr>
@@ -1923,7 +1939,7 @@
             <a:spLocks noGrp="1"/>
           </p:cNvSpPr>
           <p:nvPr>
-            <p:ph type="title" idx="0"/>
+            <p:ph type="title"/>
           </p:nvPr>
         </p:nvSpPr>
         <p:spPr/>
@@ -2297,7 +2313,7 @@
             <a:fld id="{5ACE7E28-9336-4363-8674-B91477D8F243}" type="datetime1">
               <a:rPr lang="ko-KR" altLang="en-US" smtClean="0"/>
               <a:pPr/>
-              <a:t>2009-12-07</a:t>
+              <a:t>2015-12-15</a:t>
             </a:fld>
             <a:endParaRPr lang="ko-KR" altLang="en-US"/>
           </a:p>
@@ -2355,7 +2371,7 @@
 </file>
 
 <file path=ppt/slideLayouts/slideLayout9.xml><?xml version="1.0" encoding="utf-8"?>
-<p:sldLayout xmlns:r="http://schemas.openxmlformats.org/officeDocument/2006/relationships" xmlns:c="http://schemas.openxmlformats.org/drawingml/2006/chart" xmlns:a="http://schemas.openxmlformats.org/drawingml/2006/main" xmlns:dgm="http://schemas.openxmlformats.org/drawingml/2006/diagram" xmlns:dsp="http://schemas.microsoft.com/office/drawing/2008/diagram" xmlns:p="http://schemas.openxmlformats.org/presentationml/2006/main" showMasterPhAnim="1" type="picTx" preserve="1">
+<p:sldLayout xmlns:a="http://schemas.openxmlformats.org/drawingml/2006/main" xmlns:r="http://schemas.openxmlformats.org/officeDocument/2006/relationships" xmlns:p="http://schemas.openxmlformats.org/presentationml/2006/main" type="picTx" preserve="1">
   <p:cSld name="그림 및 설명">
     <p:spTree>
       <p:nvGrpSpPr>
@@ -2378,7 +2394,7 @@
             <a:spLocks noGrp="1"/>
           </p:cNvSpPr>
           <p:nvPr>
-            <p:ph type="title" idx="0"/>
+            <p:ph type="title"/>
           </p:nvPr>
         </p:nvSpPr>
         <p:spPr>
@@ -2551,7 +2567,7 @@
             <a:fld id="{5ACE7E28-9336-4363-8674-B91477D8F243}" type="datetime1">
               <a:rPr lang="ko-KR" altLang="en-US" smtClean="0"/>
               <a:pPr/>
-              <a:t>2009-12-07</a:t>
+              <a:t>2015-12-15</a:t>
             </a:fld>
             <a:endParaRPr lang="ko-KR" altLang="en-US"/>
           </a:p>
@@ -2609,7 +2625,7 @@
 </file>
 
 <file path=ppt/slideMasters/slideMaster1.xml><?xml version="1.0" encoding="utf-8"?>
-<p:sldMaster xmlns:r="http://schemas.openxmlformats.org/officeDocument/2006/relationships" xmlns:c="http://schemas.openxmlformats.org/drawingml/2006/chart" xmlns:a="http://schemas.openxmlformats.org/drawingml/2006/main" xmlns:dgm="http://schemas.openxmlformats.org/drawingml/2006/diagram" xmlns:dsp="http://schemas.microsoft.com/office/drawing/2008/diagram" xmlns:p="http://schemas.openxmlformats.org/presentationml/2006/main">
+<p:sldMaster xmlns:a="http://schemas.openxmlformats.org/drawingml/2006/main" xmlns:r="http://schemas.openxmlformats.org/officeDocument/2006/relationships" xmlns:p="http://schemas.openxmlformats.org/presentationml/2006/main">
   <p:cSld>
     <p:bg>
       <p:bgRef idx="1001">
@@ -2637,7 +2653,7 @@
             <a:spLocks noGrp="1"/>
           </p:cNvSpPr>
           <p:nvPr>
-            <p:ph type="title" idx="0"/>
+            <p:ph type="title"/>
           </p:nvPr>
         </p:nvSpPr>
         <p:spPr>
@@ -2651,7 +2667,7 @@
         </p:spPr>
         <p:txBody>
           <a:bodyPr vert="horz" lIns="91440" tIns="45720" rIns="91440" bIns="45720" rtlCol="0" anchor="ctr">
-            <a:normAutofit lnSpcReduction="0"/>
+            <a:normAutofit/>
           </a:bodyPr>
           <a:lstStyle/>
           <a:p>
@@ -2684,7 +2700,7 @@
         </p:spPr>
         <p:txBody>
           <a:bodyPr vert="horz" lIns="91440" tIns="45720" rIns="91440" bIns="45720" rtlCol="0">
-            <a:normAutofit lnSpcReduction="0"/>
+            <a:normAutofit/>
           </a:bodyPr>
           <a:lstStyle/>
           <a:p>
@@ -2761,7 +2777,7 @@
             <a:fld id="{D422D86A-5F52-4165-8473-F1B836277586}" type="datetime1">
               <a:rPr lang="ko-KR" altLang="en-US" smtClean="0"/>
               <a:pPr/>
-              <a:t>2009-12-07</a:t>
+              <a:t>2015-12-15</a:t>
             </a:fld>
             <a:endParaRPr lang="ko-KR" altLang="en-US"/>
           </a:p>
@@ -3174,7 +3190,7 @@
 </file>
 
 <file path=ppt/slides/slide1.xml><?xml version="1.0" encoding="utf-8"?>
-<p:sld xmlns:r="http://schemas.openxmlformats.org/officeDocument/2006/relationships" xmlns:c="http://schemas.openxmlformats.org/drawingml/2006/chart" xmlns:a="http://schemas.openxmlformats.org/drawingml/2006/main" xmlns:dgm="http://schemas.openxmlformats.org/drawingml/2006/diagram" xmlns:dsp="http://schemas.microsoft.com/office/drawing/2008/diagram" xmlns:p="http://schemas.openxmlformats.org/presentationml/2006/main">
+<p:sld xmlns:a="http://schemas.openxmlformats.org/drawingml/2006/main" xmlns:r="http://schemas.openxmlformats.org/officeDocument/2006/relationships" xmlns:p="http://schemas.openxmlformats.org/presentationml/2006/main">
   <p:cSld>
     <p:spTree>
       <p:nvGrpSpPr>
@@ -3197,7 +3213,7 @@
             <a:spLocks noGrp="1"/>
           </p:cNvSpPr>
           <p:nvPr>
-            <p:ph type="ctrTitle" idx="0"/>
+            <p:ph type="ctrTitle"/>
           </p:nvPr>
         </p:nvSpPr>
         <p:spPr/>
@@ -3212,7 +3228,6 @@
               <a:rPr lang="ko-KR" altLang="en-US"/>
               <a:t>너와 함께 II</a:t>
             </a:r>
-            <a:endParaRPr lang="ko-KR" altLang="en-US"/>
           </a:p>
         </p:txBody>
       </p:sp>
@@ -3238,7 +3253,6 @@
               <a:rPr lang="ko-KR" altLang="en-US"/>
               <a:t>2012181035 조학현</a:t>
             </a:r>
-            <a:endParaRPr lang="ko-KR" altLang="en-US"/>
           </a:p>
         </p:txBody>
       </p:sp>
@@ -3247,12 +3261,19 @@
   <p:clrMapOvr>
     <a:masterClrMapping/>
   </p:clrMapOvr>
-  <p:transition xmlns:mc="http://schemas.openxmlformats.org/markup-compatibility/2006" xmlns:hp="http://schemas.haansoft.com/office/presentation/8.0" mc:Ignorable="hp" hp:hslDur="500"/>
+  <p:transition/>
+  <p:timing>
+    <p:tnLst>
+      <p:par>
+        <p:cTn id="1" dur="indefinite" restart="never" nodeType="tmRoot"/>
+      </p:par>
+    </p:tnLst>
+  </p:timing>
 </p:sld>
 </file>
 
 <file path=ppt/slides/slide2.xml><?xml version="1.0" encoding="utf-8"?>
-<p:sld xmlns:r="http://schemas.openxmlformats.org/officeDocument/2006/relationships" xmlns:c="http://schemas.openxmlformats.org/drawingml/2006/chart" xmlns:a="http://schemas.openxmlformats.org/drawingml/2006/main" xmlns:dgm="http://schemas.openxmlformats.org/drawingml/2006/diagram" xmlns:dsp="http://schemas.microsoft.com/office/drawing/2008/diagram" xmlns:p="http://schemas.openxmlformats.org/presentationml/2006/main">
+<p:sld xmlns:a="http://schemas.openxmlformats.org/drawingml/2006/main" xmlns:r="http://schemas.openxmlformats.org/officeDocument/2006/relationships" xmlns:p="http://schemas.openxmlformats.org/presentationml/2006/main">
   <p:cSld>
     <p:spTree>
       <p:nvGrpSpPr>
@@ -3275,7 +3296,7 @@
             <a:spLocks noGrp="1"/>
           </p:cNvSpPr>
           <p:nvPr>
-            <p:ph type="title" idx="0"/>
+            <p:ph type="title"/>
           </p:nvPr>
         </p:nvSpPr>
         <p:spPr/>
@@ -3290,7 +3311,6 @@
               <a:rPr lang="ko-KR" altLang="en-US"/>
               <a:t>게임 컨셉</a:t>
             </a:r>
-            <a:endParaRPr lang="ko-KR" altLang="en-US"/>
           </a:p>
         </p:txBody>
       </p:sp>
@@ -3318,13 +3338,12 @@
               <a:rPr lang="ko-KR" altLang="en-US" sz="2600"/>
               <a:t>불과 상호작용을 하며 주인공을 몬스터로부터 지킨다</a:t>
             </a:r>
-            <a:endParaRPr lang="ko-KR" altLang="en-US" sz="2600"/>
           </a:p>
         </p:txBody>
       </p:sp>
       <p:pic>
         <p:nvPicPr>
-          <p:cNvPr id="4" name=""/>
+          <p:cNvPr id="4" name="그림 3"/>
           <p:cNvPicPr>
             <a:picLocks noChangeAspect="1"/>
           </p:cNvPicPr>
@@ -3348,7 +3367,7 @@
       </p:pic>
       <p:pic>
         <p:nvPicPr>
-          <p:cNvPr id="5" name=""/>
+          <p:cNvPr id="5" name="그림 4"/>
           <p:cNvPicPr>
             <a:picLocks noChangeAspect="1"/>
           </p:cNvPicPr>
@@ -3375,12 +3394,19 @@
   <p:clrMapOvr>
     <a:masterClrMapping/>
   </p:clrMapOvr>
-  <p:transition xmlns:mc="http://schemas.openxmlformats.org/markup-compatibility/2006" xmlns:hp="http://schemas.haansoft.com/office/presentation/8.0" mc:Ignorable="hp" hp:hslDur="500"/>
+  <p:transition/>
+  <p:timing>
+    <p:tnLst>
+      <p:par>
+        <p:cTn id="1" dur="indefinite" restart="never" nodeType="tmRoot"/>
+      </p:par>
+    </p:tnLst>
+  </p:timing>
 </p:sld>
 </file>
 
 <file path=ppt/slides/slide3.xml><?xml version="1.0" encoding="utf-8"?>
-<p:sld xmlns:r="http://schemas.openxmlformats.org/officeDocument/2006/relationships" xmlns:c="http://schemas.openxmlformats.org/drawingml/2006/chart" xmlns:a="http://schemas.openxmlformats.org/drawingml/2006/main" xmlns:dgm="http://schemas.openxmlformats.org/drawingml/2006/diagram" xmlns:dsp="http://schemas.microsoft.com/office/drawing/2008/diagram" xmlns:p="http://schemas.openxmlformats.org/presentationml/2006/main">
+<p:sld xmlns:a="http://schemas.openxmlformats.org/drawingml/2006/main" xmlns:r="http://schemas.openxmlformats.org/officeDocument/2006/relationships" xmlns:p="http://schemas.openxmlformats.org/presentationml/2006/main">
   <p:cSld>
     <p:spTree>
       <p:nvGrpSpPr>
@@ -3398,15 +3424,21 @@
       </p:grpSpPr>
       <p:graphicFrame>
         <p:nvGraphicFramePr>
-          <p:cNvPr id="4" name=""/>
+          <p:cNvPr id="4" name="표 3"/>
           <p:cNvGraphicFramePr>
             <a:graphicFrameLocks noGrp="1"/>
           </p:cNvGraphicFramePr>
-          <p:nvPr/>
+          <p:nvPr>
+            <p:extLst>
+              <p:ext uri="{D42A27DB-BD31-4B8C-83A1-F6EECF244321}">
+                <p14:modId xmlns:p14="http://schemas.microsoft.com/office/powerpoint/2010/main" val="3490977410"/>
+              </p:ext>
+            </p:extLst>
+          </p:nvPr>
         </p:nvGraphicFramePr>
         <p:xfrm>
           <a:off x="935355" y="846137"/>
-          <a:ext cx="7273290" cy="5705475"/>
+          <a:ext cx="7273290" cy="5709285"/>
         </p:xfrm>
         <a:graphic>
           <a:graphicData uri="http://schemas.openxmlformats.org/drawingml/2006/table">
@@ -3415,16 +3447,33 @@
                 <a:tableStyleId>{01A66EDD-3DAB-4C5B-A090-DC80EC1FD486}</a:tableStyleId>
               </a:tblPr>
               <a:tblGrid>
-                <a:gridCol w="2421255"/>
-                <a:gridCol w="2421255"/>
-                <a:gridCol w="2430780"/>
+                <a:gridCol w="2421255">
+                  <a:extLst>
+                    <a:ext uri="{9D8B030D-6E8A-4147-A177-3AD203B41FA5}">
+                      <a16:colId xmlns:a16="http://schemas.microsoft.com/office/drawing/2014/main" val="20000"/>
+                    </a:ext>
+                  </a:extLst>
+                </a:gridCol>
+                <a:gridCol w="2421255">
+                  <a:extLst>
+                    <a:ext uri="{9D8B030D-6E8A-4147-A177-3AD203B41FA5}">
+                      <a16:colId xmlns:a16="http://schemas.microsoft.com/office/drawing/2014/main" val="20001"/>
+                    </a:ext>
+                  </a:extLst>
+                </a:gridCol>
+                <a:gridCol w="2430780">
+                  <a:extLst>
+                    <a:ext uri="{9D8B030D-6E8A-4147-A177-3AD203B41FA5}">
+                      <a16:colId xmlns:a16="http://schemas.microsoft.com/office/drawing/2014/main" val="20002"/>
+                    </a:ext>
+                  </a:extLst>
+                </a:gridCol>
               </a:tblGrid>
               <a:tr h="648081">
                 <a:tc>
                   <a:txBody>
-                    <a:bodyPr vert="horz" wrap="square" lIns="91440" tIns="45720" rIns="91440" bIns="45720" anchor="t" anchorCtr="0">
-                      <a:spAutoFit/>
-                    </a:bodyPr>
+                    <a:bodyPr/>
+                    <a:lstStyle/>
                     <a:p>
                       <a:pPr>
                         <a:defRPr lang="ko-KR" altLang="en-US"/>
@@ -3433,128 +3482,143 @@
                         <a:rPr lang="ko-KR" altLang="en-US"/>
                         <a:t>내용</a:t>
                       </a:r>
-                      <a:endParaRPr lang="ko-KR" altLang="en-US"/>
-                    </a:p>
-                  </a:txBody>
-                  <a:tcPr marL="91440" marR="91440"/>
-                </a:tc>
-                <a:tc>
-                  <a:txBody>
-                    <a:bodyPr vert="horz" wrap="square" lIns="91440" tIns="45720" rIns="91440" bIns="45720" anchor="t" anchorCtr="0">
-                      <a:spAutoFit/>
-                    </a:bodyPr>
+                    </a:p>
+                  </a:txBody>
+                  <a:tcPr/>
+                </a:tc>
+                <a:tc>
+                  <a:txBody>
+                    <a:bodyPr/>
+                    <a:lstStyle/>
                     <a:p>
                       <a:pPr>
                         <a:defRPr lang="ko-KR" altLang="en-US"/>
                       </a:pPr>
                       <a:r>
-                        <a:rPr lang="ko-KR" altLang="en-US"/>
-                        <a:t>최소 범위</a:t>
-                      </a:r>
-                      <a:endParaRPr lang="ko-KR" altLang="en-US"/>
-                    </a:p>
-                  </a:txBody>
-                  <a:tcPr marL="91440" marR="91440"/>
-                </a:tc>
-                <a:tc>
-                  <a:txBody>
-                    <a:bodyPr vert="horz" wrap="square" lIns="91440" tIns="45720" rIns="91440" bIns="45720" anchor="t" anchorCtr="0">
-                      <a:spAutoFit/>
-                    </a:bodyPr>
+                        <a:rPr lang="en-US" altLang="ko-KR" dirty="0" smtClean="0"/>
+                        <a:t>1</a:t>
+                      </a:r>
+                      <a:r>
+                        <a:rPr lang="ko-KR" altLang="en-US" dirty="0" smtClean="0"/>
+                        <a:t>차 발표</a:t>
+                      </a:r>
+                      <a:endParaRPr lang="ko-KR" altLang="en-US" dirty="0"/>
+                    </a:p>
+                  </a:txBody>
+                  <a:tcPr/>
+                </a:tc>
+                <a:tc>
+                  <a:txBody>
+                    <a:bodyPr/>
+                    <a:lstStyle/>
                     <a:p>
                       <a:pPr>
                         <a:defRPr lang="ko-KR" altLang="en-US"/>
                       </a:pPr>
                       <a:r>
-                        <a:rPr lang="ko-KR" altLang="en-US"/>
-                        <a:t>추가 범위</a:t>
-                      </a:r>
-                      <a:endParaRPr lang="ko-KR" altLang="en-US"/>
-                    </a:p>
-                  </a:txBody>
-                  <a:tcPr marL="91440" marR="91440"/>
-                </a:tc>
+                        <a:rPr lang="ko-KR" altLang="en-US" dirty="0" smtClean="0"/>
+                        <a:t>실제 개발 완료</a:t>
+                      </a:r>
+                      <a:endParaRPr lang="ko-KR" altLang="en-US" dirty="0"/>
+                    </a:p>
+                  </a:txBody>
+                  <a:tcPr/>
+                </a:tc>
+                <a:extLst>
+                  <a:ext uri="{0D108BD9-81ED-4DB2-BD59-A6C34878D82A}">
+                    <a16:rowId xmlns:a16="http://schemas.microsoft.com/office/drawing/2014/main" val="10000"/>
+                  </a:ext>
+                </a:extLst>
               </a:tr>
               <a:tr h="648081">
                 <a:tc>
                   <a:txBody>
-                    <a:bodyPr vert="horz" wrap="square" lIns="91440" tIns="45720" rIns="91440" bIns="45720" anchor="t" anchorCtr="0">
-                      <a:spAutoFit/>
-                    </a:bodyPr>
+                    <a:bodyPr/>
+                    <a:lstStyle/>
                     <a:p>
                       <a:pPr algn="ctr">
                         <a:defRPr lang="ko-KR" altLang="en-US"/>
                       </a:pPr>
                       <a:r>
-                        <a:rPr lang="ko-KR" altLang="en-US"/>
-                        <a:t>케릭터 컨트롤</a:t>
-                      </a:r>
-                      <a:endParaRPr lang="ko-KR" altLang="en-US"/>
-                    </a:p>
-                  </a:txBody>
-                  <a:tcPr marL="91440" marR="91440"/>
-                </a:tc>
-                <a:tc>
-                  <a:txBody>
-                    <a:bodyPr vert="horz" wrap="square" lIns="91440" tIns="45720" rIns="91440" bIns="45720" anchor="t" anchorCtr="0">
-                      <a:spAutoFit/>
-                    </a:bodyPr>
+                        <a:rPr lang="ko-KR" altLang="en-US" dirty="0" err="1"/>
+                        <a:t>케릭터</a:t>
+                      </a:r>
+                      <a:r>
+                        <a:rPr lang="ko-KR" altLang="en-US" dirty="0"/>
+                        <a:t> 컨트롤</a:t>
+                      </a:r>
+                    </a:p>
+                  </a:txBody>
+                  <a:tcPr/>
+                </a:tc>
+                <a:tc>
+                  <a:txBody>
+                    <a:bodyPr/>
+                    <a:lstStyle/>
                     <a:p>
                       <a:pPr>
                         <a:defRPr lang="ko-KR" altLang="en-US"/>
                       </a:pPr>
                       <a:r>
-                        <a:rPr lang="ko-KR" altLang="en-US"/>
+                        <a:rPr lang="ko-KR" altLang="en-US" dirty="0"/>
                         <a:t>2방향 좌우, 점프</a:t>
                       </a:r>
-                      <a:endParaRPr lang="ko-KR" altLang="en-US"/>
-                    </a:p>
-                  </a:txBody>
-                  <a:tcPr marL="91440" marR="91440"/>
-                </a:tc>
-                <a:tc>
-                  <a:txBody>
-                    <a:bodyPr vert="horz" wrap="square" lIns="91440" tIns="45720" rIns="91440" bIns="45720" anchor="t" anchorCtr="0">
-                      <a:spAutoFit/>
-                    </a:bodyPr>
+                    </a:p>
+                  </a:txBody>
+                  <a:tcPr/>
+                </a:tc>
+                <a:tc>
+                  <a:txBody>
+                    <a:bodyPr/>
+                    <a:lstStyle/>
                     <a:p>
                       <a:pPr>
                         <a:defRPr lang="ko-KR" altLang="en-US"/>
                       </a:pPr>
                       <a:r>
-                        <a:rPr lang="ko-KR" altLang="en-US"/>
-                        <a:t>-</a:t>
-                      </a:r>
-                      <a:endParaRPr lang="ko-KR" altLang="en-US"/>
-                    </a:p>
-                  </a:txBody>
-                  <a:tcPr marL="91440" marR="91440"/>
-                </a:tc>
+                        <a:rPr lang="en-US" altLang="ko-KR" dirty="0" smtClean="0"/>
+                        <a:t>2</a:t>
+                      </a:r>
+                      <a:r>
+                        <a:rPr lang="ko-KR" altLang="en-US" dirty="0" smtClean="0"/>
+                        <a:t>방향 좌우 움직임만 구현</a:t>
+                      </a:r>
+                      <a:endParaRPr lang="ko-KR" altLang="en-US" dirty="0"/>
+                    </a:p>
+                  </a:txBody>
+                  <a:tcPr/>
+                </a:tc>
+                <a:extLst>
+                  <a:ext uri="{0D108BD9-81ED-4DB2-BD59-A6C34878D82A}">
+                    <a16:rowId xmlns:a16="http://schemas.microsoft.com/office/drawing/2014/main" val="10001"/>
+                  </a:ext>
+                </a:extLst>
               </a:tr>
               <a:tr h="648081">
                 <a:tc>
                   <a:txBody>
-                    <a:bodyPr vert="horz" wrap="square" lIns="91440" tIns="45720" rIns="91440" bIns="45720" anchor="t" anchorCtr="0">
-                      <a:spAutoFit/>
-                    </a:bodyPr>
+                    <a:bodyPr/>
+                    <a:lstStyle/>
                     <a:p>
                       <a:pPr algn="ctr">
                         <a:defRPr lang="ko-KR" altLang="en-US"/>
                       </a:pPr>
                       <a:r>
-                        <a:rPr lang="ko-KR" altLang="en-US"/>
-                        <a:t>케릭터 기술</a:t>
-                      </a:r>
-                      <a:endParaRPr lang="ko-KR" altLang="en-US"/>
-                    </a:p>
-                  </a:txBody>
-                  <a:tcPr marL="91440" marR="91440"/>
-                </a:tc>
-                <a:tc>
-                  <a:txBody>
-                    <a:bodyPr vert="horz" wrap="square" lIns="91440" tIns="45720" rIns="91440" bIns="45720" anchor="t" anchorCtr="0">
-                      <a:spAutoFit/>
-                    </a:bodyPr>
+                        <a:rPr lang="ko-KR" altLang="en-US" dirty="0" err="1"/>
+                        <a:t>케릭터</a:t>
+                      </a:r>
+                      <a:r>
+                        <a:rPr lang="ko-KR" altLang="en-US" dirty="0"/>
+                        <a:t> 기술</a:t>
+                      </a:r>
+                    </a:p>
+                  </a:txBody>
+                  <a:tcPr/>
+                </a:tc>
+                <a:tc>
+                  <a:txBody>
+                    <a:bodyPr/>
+                    <a:lstStyle/>
                     <a:p>
                       <a:pPr>
                         <a:defRPr lang="ko-KR" altLang="en-US"/>
@@ -3563,152 +3627,182 @@
                         <a:rPr lang="ko-KR" altLang="en-US"/>
                         <a:t>근접 공격 및 스킬 사용</a:t>
                       </a:r>
-                      <a:endParaRPr lang="ko-KR" altLang="en-US"/>
-                    </a:p>
-                  </a:txBody>
-                  <a:tcPr marL="91440" marR="91440"/>
-                </a:tc>
-                <a:tc>
-                  <a:txBody>
-                    <a:bodyPr vert="horz" wrap="square" lIns="91440" tIns="45720" rIns="91440" bIns="45720" anchor="t" anchorCtr="0">
-                      <a:spAutoFit/>
-                    </a:bodyPr>
+                    </a:p>
+                  </a:txBody>
+                  <a:tcPr/>
+                </a:tc>
+                <a:tc>
+                  <a:txBody>
+                    <a:bodyPr/>
+                    <a:lstStyle/>
                     <a:p>
                       <a:pPr>
                         <a:defRPr lang="ko-KR" altLang="en-US"/>
                       </a:pPr>
                       <a:r>
-                        <a:rPr lang="ko-KR" altLang="en-US"/>
-                        <a:t>소환 마술이나 제작 시스템 사용</a:t>
-                      </a:r>
-                      <a:endParaRPr lang="ko-KR" altLang="en-US"/>
-                    </a:p>
-                  </a:txBody>
-                  <a:tcPr marL="91440" marR="91440"/>
-                </a:tc>
+                        <a:rPr lang="ko-KR" altLang="en-US" dirty="0" smtClean="0"/>
+                        <a:t>스킬 </a:t>
+                      </a:r>
+                      <a:r>
+                        <a:rPr lang="en-US" altLang="ko-KR" dirty="0" smtClean="0"/>
+                        <a:t>1</a:t>
+                      </a:r>
+                      <a:r>
+                        <a:rPr lang="ko-KR" altLang="en-US" dirty="0" smtClean="0"/>
+                        <a:t>개만 구현</a:t>
+                      </a:r>
+                      <a:endParaRPr lang="en-US" altLang="ko-KR" dirty="0" smtClean="0"/>
+                    </a:p>
+                  </a:txBody>
+                  <a:tcPr/>
+                </a:tc>
+                <a:extLst>
+                  <a:ext uri="{0D108BD9-81ED-4DB2-BD59-A6C34878D82A}">
+                    <a16:rowId xmlns:a16="http://schemas.microsoft.com/office/drawing/2014/main" val="10002"/>
+                  </a:ext>
+                </a:extLst>
               </a:tr>
               <a:tr h="648081">
                 <a:tc>
                   <a:txBody>
-                    <a:bodyPr vert="horz" wrap="square" lIns="91440" tIns="45720" rIns="91440" bIns="45720" anchor="t" anchorCtr="0">
-                      <a:spAutoFit/>
-                    </a:bodyPr>
+                    <a:bodyPr/>
+                    <a:lstStyle/>
                     <a:p>
                       <a:pPr algn="ctr">
                         <a:defRPr lang="ko-KR" altLang="en-US"/>
                       </a:pPr>
                       <a:r>
-                        <a:rPr lang="ko-KR" altLang="en-US"/>
+                        <a:rPr lang="ko-KR" altLang="en-US" dirty="0"/>
                         <a:t>맵</a:t>
                       </a:r>
-                      <a:endParaRPr lang="ko-KR" altLang="en-US"/>
-                    </a:p>
-                  </a:txBody>
-                  <a:tcPr marL="91440" marR="91440"/>
-                </a:tc>
-                <a:tc>
-                  <a:txBody>
-                    <a:bodyPr vert="horz" wrap="square" lIns="91440" tIns="45720" rIns="91440" bIns="45720" anchor="t" anchorCtr="0">
-                      <a:spAutoFit/>
-                    </a:bodyPr>
+                    </a:p>
+                  </a:txBody>
+                  <a:tcPr/>
+                </a:tc>
+                <a:tc>
+                  <a:txBody>
+                    <a:bodyPr/>
+                    <a:lstStyle/>
                     <a:p>
                       <a:pPr>
                         <a:defRPr lang="ko-KR" altLang="en-US"/>
                       </a:pPr>
                       <a:r>
-                        <a:rPr lang="ko-KR" altLang="en-US"/>
+                        <a:rPr lang="ko-KR" altLang="en-US" dirty="0"/>
                         <a:t>한 스테이지에서 난이도가 증가</a:t>
                       </a:r>
-                      <a:endParaRPr lang="ko-KR" altLang="en-US"/>
-                    </a:p>
-                  </a:txBody>
-                  <a:tcPr marL="91440" marR="91440"/>
-                </a:tc>
-                <a:tc>
-                  <a:txBody>
-                    <a:bodyPr vert="horz" wrap="square" lIns="91440" tIns="45720" rIns="91440" bIns="45720" anchor="t" anchorCtr="0">
-                      <a:spAutoFit/>
-                    </a:bodyPr>
+                    </a:p>
+                  </a:txBody>
+                  <a:tcPr/>
+                </a:tc>
+                <a:tc>
+                  <a:txBody>
+                    <a:bodyPr/>
+                    <a:lstStyle/>
                     <a:p>
                       <a:pPr>
                         <a:defRPr lang="ko-KR" altLang="en-US"/>
                       </a:pPr>
                       <a:r>
-                        <a:rPr lang="ko-KR" altLang="en-US"/>
-                        <a:t>불을 이동시켜 스테이지 이동</a:t>
-                      </a:r>
-                      <a:endParaRPr lang="ko-KR" altLang="en-US"/>
-                    </a:p>
-                  </a:txBody>
-                  <a:tcPr marL="91440" marR="91440"/>
-                </a:tc>
+                        <a:rPr lang="ko-KR" altLang="en-US" dirty="0" smtClean="0"/>
+                        <a:t>맵</a:t>
+                      </a:r>
+                      <a:r>
+                        <a:rPr lang="en-US" altLang="ko-KR" baseline="0" dirty="0" smtClean="0"/>
+                        <a:t> </a:t>
+                      </a:r>
+                      <a:r>
+                        <a:rPr lang="ko-KR" altLang="en-US" baseline="0" dirty="0" smtClean="0"/>
+                        <a:t>하나에서 스테이지 난이도 증가</a:t>
+                      </a:r>
+                      <a:endParaRPr lang="ko-KR" altLang="en-US" dirty="0"/>
+                    </a:p>
+                  </a:txBody>
+                  <a:tcPr/>
+                </a:tc>
+                <a:extLst>
+                  <a:ext uri="{0D108BD9-81ED-4DB2-BD59-A6C34878D82A}">
+                    <a16:rowId xmlns:a16="http://schemas.microsoft.com/office/drawing/2014/main" val="10003"/>
+                  </a:ext>
+                </a:extLst>
               </a:tr>
               <a:tr h="648081">
                 <a:tc>
                   <a:txBody>
-                    <a:bodyPr vert="horz" wrap="square" lIns="91440" tIns="45720" rIns="91440" bIns="45720" anchor="t" anchorCtr="0">
-                      <a:spAutoFit/>
-                    </a:bodyPr>
+                    <a:bodyPr/>
+                    <a:lstStyle/>
                     <a:p>
                       <a:pPr algn="ctr">
                         <a:defRPr lang="ko-KR" altLang="en-US"/>
                       </a:pPr>
                       <a:r>
-                        <a:rPr lang="ko-KR" altLang="en-US"/>
+                        <a:rPr lang="ko-KR" altLang="en-US" dirty="0"/>
                         <a:t>적 </a:t>
                       </a:r>
                       <a:r>
-                        <a:rPr lang="en-US" altLang="ko-KR"/>
+                        <a:rPr lang="en-US" altLang="ko-KR" dirty="0"/>
                         <a:t>AI</a:t>
                       </a:r>
-                      <a:endParaRPr lang="en-US" altLang="ko-KR"/>
-                    </a:p>
-                  </a:txBody>
-                  <a:tcPr marL="91440" marR="91440"/>
-                </a:tc>
-                <a:tc>
-                  <a:txBody>
-                    <a:bodyPr vert="horz" wrap="square" lIns="91440" tIns="45720" rIns="91440" bIns="45720" anchor="t" anchorCtr="0">
-                      <a:spAutoFit/>
-                    </a:bodyPr>
+                    </a:p>
+                  </a:txBody>
+                  <a:tcPr/>
+                </a:tc>
+                <a:tc>
+                  <a:txBody>
+                    <a:bodyPr/>
+                    <a:lstStyle/>
                     <a:p>
                       <a:pPr>
                         <a:defRPr lang="ko-KR" altLang="en-US"/>
                       </a:pPr>
                       <a:r>
-                        <a:rPr lang="ko-KR" altLang="en-US"/>
-                        <a:t>적은 어느 위치에서든 케릭터를 향해 공격하러 온다.</a:t>
-                      </a:r>
-                      <a:endParaRPr lang="ko-KR" altLang="en-US"/>
-                    </a:p>
-                  </a:txBody>
-                  <a:tcPr marL="91440" marR="91440"/>
-                </a:tc>
-                <a:tc>
-                  <a:txBody>
-                    <a:bodyPr vert="horz" wrap="square" lIns="91440" tIns="45720" rIns="91440" bIns="45720" anchor="t" anchorCtr="0">
-                      <a:spAutoFit/>
-                    </a:bodyPr>
+                        <a:rPr lang="ko-KR" altLang="en-US" dirty="0"/>
+                        <a:t>적은 어느 위치에서든 </a:t>
+                      </a:r>
+                      <a:r>
+                        <a:rPr lang="ko-KR" altLang="en-US" dirty="0" err="1"/>
+                        <a:t>케릭터를</a:t>
+                      </a:r>
+                      <a:r>
+                        <a:rPr lang="ko-KR" altLang="en-US" dirty="0"/>
+                        <a:t> 향해 공격하러 온다.</a:t>
+                      </a:r>
+                    </a:p>
+                  </a:txBody>
+                  <a:tcPr/>
+                </a:tc>
+                <a:tc>
+                  <a:txBody>
+                    <a:bodyPr/>
+                    <a:lstStyle/>
                     <a:p>
                       <a:pPr>
                         <a:defRPr lang="ko-KR" altLang="en-US"/>
                       </a:pPr>
                       <a:r>
-                        <a:rPr lang="ko-KR" altLang="en-US"/>
-                        <a:t>밝은 부분을 없에거나 불에 악영향을 끼친다.</a:t>
-                      </a:r>
-                      <a:endParaRPr lang="ko-KR" altLang="en-US"/>
-                    </a:p>
-                  </a:txBody>
-                  <a:tcPr marL="91440" marR="91440"/>
-                </a:tc>
+                        <a:rPr lang="ko-KR" altLang="en-US" dirty="0" err="1" smtClean="0"/>
+                        <a:t>케릭터를</a:t>
+                      </a:r>
+                      <a:r>
+                        <a:rPr lang="ko-KR" altLang="en-US" dirty="0" smtClean="0"/>
+                        <a:t> 향해 온다</a:t>
+                      </a:r>
+                      <a:endParaRPr lang="ko-KR" altLang="en-US" dirty="0"/>
+                    </a:p>
+                  </a:txBody>
+                  <a:tcPr/>
+                </a:tc>
+                <a:extLst>
+                  <a:ext uri="{0D108BD9-81ED-4DB2-BD59-A6C34878D82A}">
+                    <a16:rowId xmlns:a16="http://schemas.microsoft.com/office/drawing/2014/main" val="10004"/>
+                  </a:ext>
+                </a:extLst>
               </a:tr>
               <a:tr h="648081">
                 <a:tc>
                   <a:txBody>
-                    <a:bodyPr vert="horz" wrap="square" lIns="91440" tIns="45720" rIns="91440" bIns="45720" anchor="t" anchorCtr="0">
-                      <a:spAutoFit/>
-                    </a:bodyPr>
+                    <a:bodyPr/>
+                    <a:lstStyle/>
                     <a:p>
                       <a:pPr algn="ctr">
                         <a:defRPr lang="ko-KR" altLang="en-US"/>
@@ -3717,16 +3811,14 @@
                         <a:rPr lang="ko-KR" altLang="en-US"/>
                         <a:t>난이도</a:t>
                       </a:r>
-                      <a:endParaRPr lang="ko-KR" altLang="en-US"/>
-                    </a:p>
-                  </a:txBody>
-                  <a:tcPr marL="91440" marR="91440"/>
-                </a:tc>
-                <a:tc>
-                  <a:txBody>
-                    <a:bodyPr vert="horz" wrap="square" lIns="91440" tIns="45720" rIns="91440" bIns="45720" anchor="t" anchorCtr="0">
-                      <a:spAutoFit/>
-                    </a:bodyPr>
+                    </a:p>
+                  </a:txBody>
+                  <a:tcPr/>
+                </a:tc>
+                <a:tc>
+                  <a:txBody>
+                    <a:bodyPr/>
+                    <a:lstStyle/>
                     <a:p>
                       <a:pPr>
                         <a:defRPr lang="ko-KR" altLang="en-US"/>
@@ -3735,36 +3827,38 @@
                         <a:rPr lang="ko-KR" altLang="en-US"/>
                         <a:t>점점 몬스터의 수가 많아지고 장작의 수가 줄어든다.</a:t>
                       </a:r>
-                      <a:endParaRPr lang="ko-KR" altLang="en-US"/>
-                    </a:p>
-                  </a:txBody>
-                  <a:tcPr marL="91440" marR="91440"/>
-                </a:tc>
-                <a:tc>
-                  <a:txBody>
-                    <a:bodyPr vert="horz" wrap="square" lIns="91440" tIns="45720" rIns="91440" bIns="45720" anchor="t" anchorCtr="0">
-                      <a:spAutoFit/>
-                    </a:bodyPr>
+                    </a:p>
+                  </a:txBody>
+                  <a:tcPr/>
+                </a:tc>
+                <a:tc>
+                  <a:txBody>
+                    <a:bodyPr/>
+                    <a:lstStyle/>
                     <a:p>
                       <a:pPr>
                         <a:defRPr lang="ko-KR" altLang="en-US"/>
                       </a:pPr>
                       <a:r>
-                        <a:rPr lang="ko-KR" altLang="en-US"/>
-                        <a:t>스킬을 사용하는 몬스터를 추가한다.</a:t>
-                      </a:r>
-                      <a:endParaRPr lang="ko-KR" altLang="en-US"/>
-                    </a:p>
-                  </a:txBody>
-                  <a:tcPr marL="91440" marR="91440"/>
-                </a:tc>
+                        <a:rPr lang="ko-KR" altLang="en-US" dirty="0" smtClean="0"/>
+                        <a:t>장작의 수는 더 늘린다</a:t>
+                      </a:r>
+                      <a:endParaRPr lang="ko-KR" altLang="en-US" dirty="0"/>
+                    </a:p>
+                  </a:txBody>
+                  <a:tcPr/>
+                </a:tc>
+                <a:extLst>
+                  <a:ext uri="{0D108BD9-81ED-4DB2-BD59-A6C34878D82A}">
+                    <a16:rowId xmlns:a16="http://schemas.microsoft.com/office/drawing/2014/main" val="10005"/>
+                  </a:ext>
+                </a:extLst>
               </a:tr>
               <a:tr h="555117">
                 <a:tc>
                   <a:txBody>
-                    <a:bodyPr vert="horz" wrap="square" lIns="91440" tIns="45720" rIns="91440" bIns="45720" anchor="t" anchorCtr="0">
-                      <a:spAutoFit/>
-                    </a:bodyPr>
+                    <a:bodyPr/>
+                    <a:lstStyle/>
                     <a:p>
                       <a:pPr algn="ctr">
                         <a:defRPr lang="ko-KR" altLang="en-US"/>
@@ -3773,16 +3867,14 @@
                         <a:rPr lang="ko-KR" altLang="en-US"/>
                         <a:t>사운드</a:t>
                       </a:r>
-                      <a:endParaRPr lang="ko-KR" altLang="en-US"/>
-                    </a:p>
-                  </a:txBody>
-                  <a:tcPr marL="91440" marR="91440"/>
-                </a:tc>
-                <a:tc>
-                  <a:txBody>
-                    <a:bodyPr vert="horz" wrap="square" lIns="91440" tIns="45720" rIns="91440" bIns="45720" anchor="t" anchorCtr="0">
-                      <a:spAutoFit/>
-                    </a:bodyPr>
+                    </a:p>
+                  </a:txBody>
+                  <a:tcPr/>
+                </a:tc>
+                <a:tc>
+                  <a:txBody>
+                    <a:bodyPr/>
+                    <a:lstStyle/>
                     <a:p>
                       <a:pPr>
                         <a:defRPr lang="ko-KR" altLang="en-US"/>
@@ -3799,36 +3891,38 @@
                         <a:rPr lang="ko-KR" altLang="en-US"/>
                         <a:t>, 스킬, 근접공격 등 6가지 이상</a:t>
                       </a:r>
-                      <a:endParaRPr lang="ko-KR" altLang="en-US"/>
-                    </a:p>
-                  </a:txBody>
-                  <a:tcPr marL="91440" marR="91440"/>
-                </a:tc>
-                <a:tc>
-                  <a:txBody>
-                    <a:bodyPr vert="horz" wrap="square" lIns="91440" tIns="45720" rIns="91440" bIns="45720" anchor="t" anchorCtr="0">
-                      <a:spAutoFit/>
-                    </a:bodyPr>
+                    </a:p>
+                  </a:txBody>
+                  <a:tcPr/>
+                </a:tc>
+                <a:tc>
+                  <a:txBody>
+                    <a:bodyPr/>
+                    <a:lstStyle/>
                     <a:p>
                       <a:pPr>
                         <a:defRPr lang="ko-KR" altLang="en-US"/>
                       </a:pPr>
                       <a:r>
-                        <a:rPr lang="ko-KR" altLang="en-US"/>
-                        <a:t>대화 음성</a:t>
-                      </a:r>
-                      <a:endParaRPr lang="ko-KR" altLang="en-US"/>
-                    </a:p>
-                  </a:txBody>
-                  <a:tcPr marL="91440" marR="91440"/>
-                </a:tc>
+                        <a:rPr lang="ko-KR" altLang="en-US" dirty="0" smtClean="0"/>
+                        <a:t>배경음악만 구현</a:t>
+                      </a:r>
+                      <a:endParaRPr lang="ko-KR" altLang="en-US" dirty="0"/>
+                    </a:p>
+                  </a:txBody>
+                  <a:tcPr/>
+                </a:tc>
+                <a:extLst>
+                  <a:ext uri="{0D108BD9-81ED-4DB2-BD59-A6C34878D82A}">
+                    <a16:rowId xmlns:a16="http://schemas.microsoft.com/office/drawing/2014/main" val="10006"/>
+                  </a:ext>
+                </a:extLst>
               </a:tr>
               <a:tr h="648081">
                 <a:tc>
                   <a:txBody>
-                    <a:bodyPr vert="horz" wrap="square" lIns="91440" tIns="45720" rIns="91440" bIns="45720" anchor="t" anchorCtr="0">
-                      <a:spAutoFit/>
-                    </a:bodyPr>
+                    <a:bodyPr/>
+                    <a:lstStyle/>
                     <a:p>
                       <a:pPr algn="ctr">
                         <a:defRPr lang="ko-KR" altLang="en-US"/>
@@ -3837,16 +3931,14 @@
                         <a:rPr lang="ko-KR" altLang="en-US"/>
                         <a:t>애니메이션</a:t>
                       </a:r>
-                      <a:endParaRPr lang="ko-KR" altLang="en-US"/>
-                    </a:p>
-                  </a:txBody>
-                  <a:tcPr marL="91440" marR="91440"/>
-                </a:tc>
-                <a:tc>
-                  <a:txBody>
-                    <a:bodyPr vert="horz" wrap="square" lIns="91440" tIns="45720" rIns="91440" bIns="45720" anchor="t" anchorCtr="0">
-                      <a:spAutoFit/>
-                    </a:bodyPr>
+                    </a:p>
+                  </a:txBody>
+                  <a:tcPr/>
+                </a:tc>
+                <a:tc>
+                  <a:txBody>
+                    <a:bodyPr/>
+                    <a:lstStyle/>
                     <a:p>
                       <a:pPr>
                         <a:defRPr lang="ko-KR" altLang="en-US"/>
@@ -3855,29 +3947,32 @@
                         <a:rPr lang="ko-KR" altLang="en-US"/>
                         <a:t>공격, 이동, 점프 등 6종 이상</a:t>
                       </a:r>
-                      <a:endParaRPr lang="ko-KR" altLang="en-US"/>
-                    </a:p>
-                  </a:txBody>
-                  <a:tcPr marL="91440" marR="91440"/>
-                </a:tc>
-                <a:tc>
-                  <a:txBody>
-                    <a:bodyPr vert="horz" wrap="square" lIns="91440" tIns="45720" rIns="91440" bIns="45720" anchor="t" anchorCtr="0">
-                      <a:spAutoFit/>
-                    </a:bodyPr>
+                    </a:p>
+                  </a:txBody>
+                  <a:tcPr/>
+                </a:tc>
+                <a:tc>
+                  <a:txBody>
+                    <a:bodyPr/>
+                    <a:lstStyle/>
                     <a:p>
                       <a:pPr>
                         <a:defRPr lang="ko-KR" altLang="en-US"/>
                       </a:pPr>
                       <a:r>
-                        <a:rPr lang="ko-KR" altLang="en-US"/>
-                        <a:t>-</a:t>
-                      </a:r>
-                      <a:endParaRPr lang="ko-KR" altLang="en-US"/>
-                    </a:p>
-                  </a:txBody>
-                  <a:tcPr marL="91440" marR="91440"/>
-                </a:tc>
+                        <a:rPr lang="ko-KR" altLang="en-US" dirty="0" smtClean="0"/>
+                        <a:t>이동만 구현</a:t>
+                      </a:r>
+                      <a:endParaRPr lang="ko-KR" altLang="en-US" dirty="0"/>
+                    </a:p>
+                  </a:txBody>
+                  <a:tcPr/>
+                </a:tc>
+                <a:extLst>
+                  <a:ext uri="{0D108BD9-81ED-4DB2-BD59-A6C34878D82A}">
+                    <a16:rowId xmlns:a16="http://schemas.microsoft.com/office/drawing/2014/main" val="10007"/>
+                  </a:ext>
+                </a:extLst>
               </a:tr>
             </a:tbl>
           </a:graphicData>
@@ -3890,7 +3985,7 @@
             <a:spLocks noGrp="1"/>
           </p:cNvSpPr>
           <p:nvPr>
-            <p:ph type="title" idx="0"/>
+            <p:ph type="title"/>
           </p:nvPr>
         </p:nvSpPr>
         <p:spPr>
@@ -3901,7 +3996,7 @@
         </p:spPr>
         <p:txBody>
           <a:bodyPr vert="horz" lIns="91440" tIns="45720" rIns="91440" bIns="45720" anchor="ctr">
-            <a:normAutofit lnSpcReduction="0"/>
+            <a:normAutofit/>
           </a:bodyPr>
           <a:lstStyle/>
           <a:p>
@@ -3909,10 +4004,10 @@
               <a:defRPr lang="ko-KR" altLang="en-US"/>
             </a:pPr>
             <a:r>
-              <a:rPr lang="ko-KR" altLang="en-US"/>
-              <a:t>개발범위</a:t>
-            </a:r>
-            <a:endParaRPr lang="ko-KR" altLang="en-US"/>
+              <a:rPr lang="ko-KR" altLang="en-US" dirty="0" smtClean="0"/>
+              <a:t>실제 개발 범위</a:t>
+            </a:r>
+            <a:endParaRPr lang="ko-KR" altLang="en-US" dirty="0"/>
           </a:p>
         </p:txBody>
       </p:sp>
@@ -3921,12 +4016,19 @@
   <p:clrMapOvr>
     <a:masterClrMapping/>
   </p:clrMapOvr>
-  <p:transition xmlns:mc="http://schemas.openxmlformats.org/markup-compatibility/2006" xmlns:hp="http://schemas.haansoft.com/office/presentation/8.0" mc:Ignorable="hp" hp:hslDur="500"/>
+  <p:transition/>
+  <p:timing>
+    <p:tnLst>
+      <p:par>
+        <p:cTn id="1" dur="indefinite" restart="never" nodeType="tmRoot"/>
+      </p:par>
+    </p:tnLst>
+  </p:timing>
 </p:sld>
 </file>
 
 <file path=ppt/slides/slide4.xml><?xml version="1.0" encoding="utf-8"?>
-<p:sld xmlns:r="http://schemas.openxmlformats.org/officeDocument/2006/relationships" xmlns:c="http://schemas.openxmlformats.org/drawingml/2006/chart" xmlns:a="http://schemas.openxmlformats.org/drawingml/2006/main" xmlns:dgm="http://schemas.openxmlformats.org/drawingml/2006/diagram" xmlns:dsp="http://schemas.microsoft.com/office/drawing/2008/diagram" xmlns:p="http://schemas.openxmlformats.org/presentationml/2006/main">
+<p:sld xmlns:a="http://schemas.openxmlformats.org/drawingml/2006/main" xmlns:r="http://schemas.openxmlformats.org/officeDocument/2006/relationships" xmlns:p="http://schemas.openxmlformats.org/presentationml/2006/main">
   <p:cSld>
     <p:spTree>
       <p:nvGrpSpPr>
@@ -3944,7 +4046,7 @@
       </p:grpSpPr>
       <p:graphicFrame>
         <p:nvGraphicFramePr>
-          <p:cNvPr id="4" name=""/>
+          <p:cNvPr id="4" name="표 3"/>
           <p:cNvGraphicFramePr>
             <a:graphicFrameLocks noGrp="1"/>
           </p:cNvGraphicFramePr>
@@ -3952,7 +4054,7 @@
         </p:nvGraphicFramePr>
         <p:xfrm>
           <a:off x="1114813" y="784859"/>
-          <a:ext cx="6914374" cy="5884545"/>
+          <a:ext cx="6914374" cy="5852160"/>
         </p:xfrm>
         <a:graphic>
           <a:graphicData uri="http://schemas.openxmlformats.org/drawingml/2006/table">
@@ -3961,15 +4063,26 @@
                 <a:tableStyleId>{08D0585D-BEE6-471C-A8B9-D2DDCAC283FB}</a:tableStyleId>
               </a:tblPr>
               <a:tblGrid>
-                <a:gridCol w="2302369"/>
-                <a:gridCol w="4612005"/>
+                <a:gridCol w="2302369">
+                  <a:extLst>
+                    <a:ext uri="{9D8B030D-6E8A-4147-A177-3AD203B41FA5}">
+                      <a16:colId xmlns:a16="http://schemas.microsoft.com/office/drawing/2014/main" val="20000"/>
+                    </a:ext>
+                  </a:extLst>
+                </a:gridCol>
+                <a:gridCol w="4612005">
+                  <a:extLst>
+                    <a:ext uri="{9D8B030D-6E8A-4147-A177-3AD203B41FA5}">
+                      <a16:colId xmlns:a16="http://schemas.microsoft.com/office/drawing/2014/main" val="20001"/>
+                    </a:ext>
+                  </a:extLst>
+                </a:gridCol>
               </a:tblGrid>
               <a:tr h="310890">
                 <a:tc>
                   <a:txBody>
-                    <a:bodyPr vert="horz" wrap="square" lIns="91440" tIns="45720" rIns="91440" bIns="45720" anchor="t" anchorCtr="0">
-                      <a:spAutoFit/>
-                    </a:bodyPr>
+                    <a:bodyPr/>
+                    <a:lstStyle/>
                     <a:p>
                       <a:pPr algn="ctr">
                         <a:defRPr lang="ko-KR" altLang="en-US"/>
@@ -3978,16 +4091,14 @@
                         <a:rPr lang="ko-KR" altLang="en-US"/>
                         <a:t>1주차</a:t>
                       </a:r>
-                      <a:endParaRPr lang="ko-KR" altLang="en-US"/>
-                    </a:p>
-                  </a:txBody>
-                  <a:tcPr marL="91440" marR="91440"/>
-                </a:tc>
-                <a:tc>
-                  <a:txBody>
-                    <a:bodyPr vert="horz" wrap="square" lIns="91440" tIns="45720" rIns="91440" bIns="45720" anchor="t" anchorCtr="0">
-                      <a:spAutoFit/>
-                    </a:bodyPr>
+                    </a:p>
+                  </a:txBody>
+                  <a:tcPr/>
+                </a:tc>
+                <a:tc>
+                  <a:txBody>
+                    <a:bodyPr/>
+                    <a:lstStyle/>
                     <a:p>
                       <a:pPr>
                         <a:defRPr lang="ko-KR" altLang="en-US"/>
@@ -3996,18 +4107,21 @@
                         <a:rPr lang="ko-KR" altLang="en-US"/>
                         <a:t>리소스 수집</a:t>
                       </a:r>
-                      <a:endParaRPr lang="ko-KR" altLang="en-US"/>
-                    </a:p>
-                  </a:txBody>
-                  <a:tcPr marL="91440" marR="91440"/>
-                </a:tc>
+                    </a:p>
+                  </a:txBody>
+                  <a:tcPr/>
+                </a:tc>
+                <a:extLst>
+                  <a:ext uri="{0D108BD9-81ED-4DB2-BD59-A6C34878D82A}">
+                    <a16:rowId xmlns:a16="http://schemas.microsoft.com/office/drawing/2014/main" val="10000"/>
+                  </a:ext>
+                </a:extLst>
               </a:tr>
               <a:tr h="544461">
                 <a:tc>
                   <a:txBody>
-                    <a:bodyPr vert="horz" wrap="square" lIns="91440" tIns="45720" rIns="91440" bIns="45720" anchor="t" anchorCtr="0">
-                      <a:spAutoFit/>
-                    </a:bodyPr>
+                    <a:bodyPr/>
+                    <a:lstStyle/>
                     <a:p>
                       <a:pPr algn="ctr">
                         <a:defRPr lang="ko-KR" altLang="en-US"/>
@@ -4016,16 +4130,14 @@
                         <a:rPr lang="ko-KR" altLang="en-US"/>
                         <a:t>결과 (100%)</a:t>
                       </a:r>
-                      <a:endParaRPr lang="ko-KR" altLang="en-US"/>
-                    </a:p>
-                  </a:txBody>
-                  <a:tcPr marL="91440" marR="91440"/>
-                </a:tc>
-                <a:tc>
-                  <a:txBody>
-                    <a:bodyPr vert="horz" wrap="square" lIns="91440" tIns="45720" rIns="91440" bIns="45720" anchor="t" anchorCtr="0">
-                      <a:spAutoFit/>
-                    </a:bodyPr>
+                    </a:p>
+                  </a:txBody>
+                  <a:tcPr/>
+                </a:tc>
+                <a:tc>
+                  <a:txBody>
+                    <a:bodyPr/>
+                    <a:lstStyle/>
                     <a:p>
                       <a:pPr>
                         <a:defRPr lang="ko-KR" altLang="en-US"/>
@@ -4042,18 +4154,21 @@
                         <a:rPr lang="ko-KR" altLang="en-US"/>
                         <a:t> 수집완료</a:t>
                       </a:r>
-                      <a:endParaRPr lang="ko-KR" altLang="en-US"/>
-                    </a:p>
-                  </a:txBody>
-                  <a:tcPr marL="91440" marR="91440"/>
-                </a:tc>
+                    </a:p>
+                  </a:txBody>
+                  <a:tcPr/>
+                </a:tc>
+                <a:extLst>
+                  <a:ext uri="{0D108BD9-81ED-4DB2-BD59-A6C34878D82A}">
+                    <a16:rowId xmlns:a16="http://schemas.microsoft.com/office/drawing/2014/main" val="10001"/>
+                  </a:ext>
+                </a:extLst>
               </a:tr>
               <a:tr h="310890">
                 <a:tc>
                   <a:txBody>
-                    <a:bodyPr vert="horz" wrap="square" lIns="91440" tIns="45720" rIns="91440" bIns="45720" anchor="t" anchorCtr="0">
-                      <a:spAutoFit/>
-                    </a:bodyPr>
+                    <a:bodyPr/>
+                    <a:lstStyle/>
                     <a:p>
                       <a:pPr algn="ctr">
                         <a:defRPr lang="ko-KR" altLang="en-US"/>
@@ -4062,16 +4177,14 @@
                         <a:rPr lang="ko-KR" altLang="en-US"/>
                         <a:t>2주차</a:t>
                       </a:r>
-                      <a:endParaRPr lang="ko-KR" altLang="en-US"/>
-                    </a:p>
-                  </a:txBody>
-                  <a:tcPr marL="91440" marR="91440"/>
-                </a:tc>
-                <a:tc>
-                  <a:txBody>
-                    <a:bodyPr vert="horz" wrap="square" lIns="91440" tIns="45720" rIns="91440" bIns="45720" anchor="t" anchorCtr="0">
-                      <a:spAutoFit/>
-                    </a:bodyPr>
+                    </a:p>
+                  </a:txBody>
+                  <a:tcPr/>
+                </a:tc>
+                <a:tc>
+                  <a:txBody>
+                    <a:bodyPr/>
+                    <a:lstStyle/>
                     <a:p>
                       <a:pPr>
                         <a:defRPr lang="ko-KR" altLang="en-US"/>
@@ -4080,18 +4193,21 @@
                         <a:rPr lang="ko-KR" altLang="en-US"/>
                         <a:t>주인공 출력 및 조작 맵 출력</a:t>
                       </a:r>
-                      <a:endParaRPr lang="ko-KR" altLang="en-US"/>
-                    </a:p>
-                  </a:txBody>
-                  <a:tcPr marL="91440" marR="91440"/>
-                </a:tc>
+                    </a:p>
+                  </a:txBody>
+                  <a:tcPr/>
+                </a:tc>
+                <a:extLst>
+                  <a:ext uri="{0D108BD9-81ED-4DB2-BD59-A6C34878D82A}">
+                    <a16:rowId xmlns:a16="http://schemas.microsoft.com/office/drawing/2014/main" val="10002"/>
+                  </a:ext>
+                </a:extLst>
               </a:tr>
               <a:tr h="544461">
                 <a:tc>
                   <a:txBody>
-                    <a:bodyPr vert="horz" wrap="square" lIns="91440" tIns="45720" rIns="91440" bIns="45720" anchor="t" anchorCtr="0">
-                      <a:spAutoFit/>
-                    </a:bodyPr>
+                    <a:bodyPr/>
+                    <a:lstStyle/>
                     <a:p>
                       <a:pPr algn="ctr">
                         <a:defRPr lang="ko-KR" altLang="en-US"/>
@@ -4100,16 +4216,14 @@
                         <a:rPr lang="ko-KR" altLang="en-US"/>
                         <a:t>결과 (100%)</a:t>
                       </a:r>
-                      <a:endParaRPr lang="ko-KR" altLang="en-US"/>
-                    </a:p>
-                  </a:txBody>
-                  <a:tcPr marL="91440" marR="91440"/>
-                </a:tc>
-                <a:tc>
-                  <a:txBody>
-                    <a:bodyPr vert="horz" wrap="square" lIns="91440" tIns="45720" rIns="91440" bIns="45720" anchor="t" anchorCtr="0">
-                      <a:spAutoFit/>
-                    </a:bodyPr>
+                    </a:p>
+                  </a:txBody>
+                  <a:tcPr/>
+                </a:tc>
+                <a:tc>
+                  <a:txBody>
+                    <a:bodyPr/>
+                    <a:lstStyle/>
                     <a:p>
                       <a:pPr>
                         <a:defRPr lang="ko-KR" altLang="en-US"/>
@@ -4118,18 +4232,21 @@
                         <a:rPr lang="ko-KR" altLang="en-US"/>
                         <a:t>주인공 및 맵 출력 완료 등 주인공 좌우 이동 구현 완료</a:t>
                       </a:r>
-                      <a:endParaRPr lang="ko-KR" altLang="en-US"/>
-                    </a:p>
-                  </a:txBody>
-                  <a:tcPr marL="91440" marR="91440"/>
-                </a:tc>
+                    </a:p>
+                  </a:txBody>
+                  <a:tcPr/>
+                </a:tc>
+                <a:extLst>
+                  <a:ext uri="{0D108BD9-81ED-4DB2-BD59-A6C34878D82A}">
+                    <a16:rowId xmlns:a16="http://schemas.microsoft.com/office/drawing/2014/main" val="10003"/>
+                  </a:ext>
+                </a:extLst>
               </a:tr>
               <a:tr h="310890">
                 <a:tc>
                   <a:txBody>
-                    <a:bodyPr vert="horz" wrap="square" lIns="91440" tIns="45720" rIns="91440" bIns="45720" anchor="t" anchorCtr="0">
-                      <a:spAutoFit/>
-                    </a:bodyPr>
+                    <a:bodyPr/>
+                    <a:lstStyle/>
                     <a:p>
                       <a:pPr algn="ctr">
                         <a:defRPr lang="ko-KR" altLang="en-US"/>
@@ -4138,16 +4255,14 @@
                         <a:rPr lang="ko-KR" altLang="en-US"/>
                         <a:t>3주차</a:t>
                       </a:r>
-                      <a:endParaRPr lang="ko-KR" altLang="en-US"/>
-                    </a:p>
-                  </a:txBody>
-                  <a:tcPr marL="91440" marR="91440"/>
-                </a:tc>
-                <a:tc>
-                  <a:txBody>
-                    <a:bodyPr vert="horz" wrap="square" lIns="91440" tIns="45720" rIns="91440" bIns="45720" anchor="t" anchorCtr="0">
-                      <a:spAutoFit/>
-                    </a:bodyPr>
+                    </a:p>
+                  </a:txBody>
+                  <a:tcPr/>
+                </a:tc>
+                <a:tc>
+                  <a:txBody>
+                    <a:bodyPr/>
+                    <a:lstStyle/>
                     <a:p>
                       <a:pPr>
                         <a:defRPr lang="ko-KR" altLang="en-US"/>
@@ -4156,18 +4271,21 @@
                         <a:rPr lang="ko-KR" altLang="en-US"/>
                         <a:t>주인공 스킬 사용 및 불과 상호작용</a:t>
                       </a:r>
-                      <a:endParaRPr lang="ko-KR" altLang="en-US"/>
-                    </a:p>
-                  </a:txBody>
-                  <a:tcPr marL="91440" marR="91440"/>
-                </a:tc>
+                    </a:p>
+                  </a:txBody>
+                  <a:tcPr/>
+                </a:tc>
+                <a:extLst>
+                  <a:ext uri="{0D108BD9-81ED-4DB2-BD59-A6C34878D82A}">
+                    <a16:rowId xmlns:a16="http://schemas.microsoft.com/office/drawing/2014/main" val="10004"/>
+                  </a:ext>
+                </a:extLst>
               </a:tr>
               <a:tr h="544461">
                 <a:tc>
                   <a:txBody>
-                    <a:bodyPr vert="horz" wrap="square" lIns="91440" tIns="45720" rIns="91440" bIns="45720" anchor="t" anchorCtr="0">
-                      <a:spAutoFit/>
-                    </a:bodyPr>
+                    <a:bodyPr/>
+                    <a:lstStyle/>
                     <a:p>
                       <a:pPr algn="ctr">
                         <a:defRPr lang="ko-KR" altLang="en-US"/>
@@ -4176,16 +4294,14 @@
                         <a:rPr lang="ko-KR" altLang="en-US"/>
                         <a:t>결과 (0%)</a:t>
                       </a:r>
-                      <a:endParaRPr lang="ko-KR" altLang="en-US"/>
-                    </a:p>
-                  </a:txBody>
-                  <a:tcPr marL="91440" marR="91440"/>
-                </a:tc>
-                <a:tc>
-                  <a:txBody>
-                    <a:bodyPr vert="horz" wrap="square" lIns="91440" tIns="45720" rIns="91440" bIns="45720" anchor="t" anchorCtr="0">
-                      <a:spAutoFit/>
-                    </a:bodyPr>
+                    </a:p>
+                  </a:txBody>
+                  <a:tcPr/>
+                </a:tc>
+                <a:tc>
+                  <a:txBody>
+                    <a:bodyPr/>
+                    <a:lstStyle/>
                     <a:p>
                       <a:pPr>
                         <a:defRPr lang="ko-KR" altLang="en-US"/>
@@ -4194,18 +4310,21 @@
                         <a:rPr lang="ko-KR" altLang="en-US"/>
                         <a:t>시험기간으로 인해 미구현, 4주차에 같이 할 예정</a:t>
                       </a:r>
-                      <a:endParaRPr lang="ko-KR" altLang="en-US"/>
-                    </a:p>
-                  </a:txBody>
-                  <a:tcPr marL="91440" marR="91440"/>
-                </a:tc>
+                    </a:p>
+                  </a:txBody>
+                  <a:tcPr/>
+                </a:tc>
+                <a:extLst>
+                  <a:ext uri="{0D108BD9-81ED-4DB2-BD59-A6C34878D82A}">
+                    <a16:rowId xmlns:a16="http://schemas.microsoft.com/office/drawing/2014/main" val="10005"/>
+                  </a:ext>
+                </a:extLst>
               </a:tr>
               <a:tr h="310890">
                 <a:tc>
                   <a:txBody>
-                    <a:bodyPr vert="horz" wrap="square" lIns="91440" tIns="45720" rIns="91440" bIns="45720" anchor="t" anchorCtr="0">
-                      <a:spAutoFit/>
-                    </a:bodyPr>
+                    <a:bodyPr/>
+                    <a:lstStyle/>
                     <a:p>
                       <a:pPr algn="ctr">
                         <a:defRPr lang="ko-KR" altLang="en-US"/>
@@ -4214,16 +4333,14 @@
                         <a:rPr lang="ko-KR" altLang="en-US"/>
                         <a:t>4주차</a:t>
                       </a:r>
-                      <a:endParaRPr lang="ko-KR" altLang="en-US"/>
-                    </a:p>
-                  </a:txBody>
-                  <a:tcPr marL="91440" marR="91440"/>
-                </a:tc>
-                <a:tc>
-                  <a:txBody>
-                    <a:bodyPr vert="horz" wrap="square" lIns="91440" tIns="45720" rIns="91440" bIns="45720" anchor="t" anchorCtr="0">
-                      <a:spAutoFit/>
-                    </a:bodyPr>
+                    </a:p>
+                  </a:txBody>
+                  <a:tcPr/>
+                </a:tc>
+                <a:tc>
+                  <a:txBody>
+                    <a:bodyPr/>
+                    <a:lstStyle/>
                     <a:p>
                       <a:pPr>
                         <a:defRPr lang="ko-KR" altLang="en-US"/>
@@ -4240,18 +4357,21 @@
                         <a:rPr lang="ko-KR" altLang="en-US"/>
                         <a:t> 구현</a:t>
                       </a:r>
-                      <a:endParaRPr lang="ko-KR" altLang="en-US"/>
-                    </a:p>
-                  </a:txBody>
-                  <a:tcPr marL="91440" marR="91440"/>
-                </a:tc>
+                    </a:p>
+                  </a:txBody>
+                  <a:tcPr/>
+                </a:tc>
+                <a:extLst>
+                  <a:ext uri="{0D108BD9-81ED-4DB2-BD59-A6C34878D82A}">
+                    <a16:rowId xmlns:a16="http://schemas.microsoft.com/office/drawing/2014/main" val="10006"/>
+                  </a:ext>
+                </a:extLst>
               </a:tr>
               <a:tr h="544461">
                 <a:tc>
                   <a:txBody>
-                    <a:bodyPr vert="horz" wrap="square" lIns="91440" tIns="45720" rIns="91440" bIns="45720" anchor="t" anchorCtr="0">
-                      <a:spAutoFit/>
-                    </a:bodyPr>
+                    <a:bodyPr/>
+                    <a:lstStyle/>
                     <a:p>
                       <a:pPr algn="ctr">
                         <a:defRPr lang="ko-KR" altLang="en-US"/>
@@ -4260,16 +4380,14 @@
                         <a:rPr lang="ko-KR" altLang="en-US"/>
                         <a:t>5주차</a:t>
                       </a:r>
-                      <a:endParaRPr lang="ko-KR" altLang="en-US"/>
-                    </a:p>
-                  </a:txBody>
-                  <a:tcPr marL="91440" marR="91440"/>
-                </a:tc>
-                <a:tc>
-                  <a:txBody>
-                    <a:bodyPr vert="horz" wrap="square" lIns="91440" tIns="45720" rIns="91440" bIns="45720" anchor="t" anchorCtr="0">
-                      <a:spAutoFit/>
-                    </a:bodyPr>
+                    </a:p>
+                  </a:txBody>
+                  <a:tcPr/>
+                </a:tc>
+                <a:tc>
+                  <a:txBody>
+                    <a:bodyPr/>
+                    <a:lstStyle/>
                     <a:p>
                       <a:pPr>
                         <a:defRPr lang="ko-KR" altLang="en-US"/>
@@ -4278,18 +4396,21 @@
                         <a:rPr lang="ko-KR" altLang="en-US"/>
                         <a:t>주인공, 불, 몬스터끼리 상호작용이 잘 되는지 확인</a:t>
                       </a:r>
-                      <a:endParaRPr lang="ko-KR" altLang="en-US"/>
-                    </a:p>
-                  </a:txBody>
-                  <a:tcPr marL="91440" marR="91440"/>
-                </a:tc>
+                    </a:p>
+                  </a:txBody>
+                  <a:tcPr/>
+                </a:tc>
+                <a:extLst>
+                  <a:ext uri="{0D108BD9-81ED-4DB2-BD59-A6C34878D82A}">
+                    <a16:rowId xmlns:a16="http://schemas.microsoft.com/office/drawing/2014/main" val="10007"/>
+                  </a:ext>
+                </a:extLst>
               </a:tr>
               <a:tr h="310890">
                 <a:tc>
                   <a:txBody>
-                    <a:bodyPr vert="horz" wrap="square" lIns="91440" tIns="45720" rIns="91440" bIns="45720" anchor="t" anchorCtr="0">
-                      <a:spAutoFit/>
-                    </a:bodyPr>
+                    <a:bodyPr/>
+                    <a:lstStyle/>
                     <a:p>
                       <a:pPr algn="ctr">
                         <a:defRPr lang="ko-KR" altLang="en-US"/>
@@ -4298,16 +4419,14 @@
                         <a:rPr lang="ko-KR" altLang="en-US"/>
                         <a:t>6주차</a:t>
                       </a:r>
-                      <a:endParaRPr lang="ko-KR" altLang="en-US"/>
-                    </a:p>
-                  </a:txBody>
-                  <a:tcPr marL="91440" marR="91440"/>
-                </a:tc>
-                <a:tc>
-                  <a:txBody>
-                    <a:bodyPr vert="horz" wrap="square" lIns="91440" tIns="45720" rIns="91440" bIns="45720" anchor="t" anchorCtr="0">
-                      <a:spAutoFit/>
-                    </a:bodyPr>
+                    </a:p>
+                  </a:txBody>
+                  <a:tcPr/>
+                </a:tc>
+                <a:tc>
+                  <a:txBody>
+                    <a:bodyPr/>
+                    <a:lstStyle/>
                     <a:p>
                       <a:pPr>
                         <a:defRPr lang="ko-KR" altLang="en-US"/>
@@ -4316,18 +4435,21 @@
                         <a:rPr lang="ko-KR" altLang="en-US"/>
                         <a:t>주인공의 능력 모두 구현하기</a:t>
                       </a:r>
-                      <a:endParaRPr lang="ko-KR" altLang="en-US"/>
-                    </a:p>
-                  </a:txBody>
-                  <a:tcPr marL="91440" marR="91440"/>
-                </a:tc>
+                    </a:p>
+                  </a:txBody>
+                  <a:tcPr/>
+                </a:tc>
+                <a:extLst>
+                  <a:ext uri="{0D108BD9-81ED-4DB2-BD59-A6C34878D82A}">
+                    <a16:rowId xmlns:a16="http://schemas.microsoft.com/office/drawing/2014/main" val="10008"/>
+                  </a:ext>
+                </a:extLst>
               </a:tr>
               <a:tr h="310890">
                 <a:tc>
                   <a:txBody>
-                    <a:bodyPr vert="horz" wrap="square" lIns="91440" tIns="45720" rIns="91440" bIns="45720" anchor="t" anchorCtr="0">
-                      <a:spAutoFit/>
-                    </a:bodyPr>
+                    <a:bodyPr/>
+                    <a:lstStyle/>
                     <a:p>
                       <a:pPr algn="ctr">
                         <a:defRPr lang="ko-KR" altLang="en-US"/>
@@ -4336,16 +4458,14 @@
                         <a:rPr lang="ko-KR" altLang="en-US"/>
                         <a:t>7주차</a:t>
                       </a:r>
-                      <a:endParaRPr lang="ko-KR" altLang="en-US"/>
-                    </a:p>
-                  </a:txBody>
-                  <a:tcPr marL="91440" marR="91440"/>
-                </a:tc>
-                <a:tc>
-                  <a:txBody>
-                    <a:bodyPr vert="horz" wrap="square" lIns="91440" tIns="45720" rIns="91440" bIns="45720" anchor="t" anchorCtr="0">
-                      <a:spAutoFit/>
-                    </a:bodyPr>
+                    </a:p>
+                  </a:txBody>
+                  <a:tcPr/>
+                </a:tc>
+                <a:tc>
+                  <a:txBody>
+                    <a:bodyPr/>
+                    <a:lstStyle/>
                     <a:p>
                       <a:pPr>
                         <a:defRPr lang="ko-KR" altLang="en-US"/>
@@ -4354,18 +4474,21 @@
                         <a:rPr lang="ko-KR" altLang="en-US"/>
                         <a:t>몬스터 추가, 맵 디자인, 보스몹 추가</a:t>
                       </a:r>
-                      <a:endParaRPr lang="ko-KR" altLang="en-US"/>
-                    </a:p>
-                  </a:txBody>
-                  <a:tcPr marL="91440" marR="91440"/>
-                </a:tc>
+                    </a:p>
+                  </a:txBody>
+                  <a:tcPr/>
+                </a:tc>
+                <a:extLst>
+                  <a:ext uri="{0D108BD9-81ED-4DB2-BD59-A6C34878D82A}">
+                    <a16:rowId xmlns:a16="http://schemas.microsoft.com/office/drawing/2014/main" val="10009"/>
+                  </a:ext>
+                </a:extLst>
               </a:tr>
               <a:tr h="310890">
                 <a:tc>
                   <a:txBody>
-                    <a:bodyPr vert="horz" wrap="square" lIns="91440" tIns="45720" rIns="91440" bIns="45720" anchor="t" anchorCtr="0">
-                      <a:spAutoFit/>
-                    </a:bodyPr>
+                    <a:bodyPr/>
+                    <a:lstStyle/>
                     <a:p>
                       <a:pPr algn="ctr">
                         <a:defRPr lang="ko-KR" altLang="en-US"/>
@@ -4374,16 +4497,14 @@
                         <a:rPr lang="ko-KR" altLang="en-US"/>
                         <a:t>8주차</a:t>
                       </a:r>
-                      <a:endParaRPr lang="ko-KR" altLang="en-US"/>
-                    </a:p>
-                  </a:txBody>
-                  <a:tcPr marL="91440" marR="91440"/>
-                </a:tc>
-                <a:tc>
-                  <a:txBody>
-                    <a:bodyPr vert="horz" wrap="square" lIns="91440" tIns="45720" rIns="91440" bIns="45720" anchor="t" anchorCtr="0">
-                      <a:spAutoFit/>
-                    </a:bodyPr>
+                    </a:p>
+                  </a:txBody>
+                  <a:tcPr/>
+                </a:tc>
+                <a:tc>
+                  <a:txBody>
+                    <a:bodyPr/>
+                    <a:lstStyle/>
                     <a:p>
                       <a:pPr>
                         <a:defRPr lang="ko-KR" altLang="en-US"/>
@@ -4400,18 +4521,21 @@
                         <a:rPr lang="ko-KR" altLang="en-US"/>
                         <a:t> 추가</a:t>
                       </a:r>
-                      <a:endParaRPr lang="ko-KR" altLang="en-US"/>
-                    </a:p>
-                  </a:txBody>
-                  <a:tcPr marL="91440" marR="91440"/>
-                </a:tc>
+                    </a:p>
+                  </a:txBody>
+                  <a:tcPr/>
+                </a:tc>
+                <a:extLst>
+                  <a:ext uri="{0D108BD9-81ED-4DB2-BD59-A6C34878D82A}">
+                    <a16:rowId xmlns:a16="http://schemas.microsoft.com/office/drawing/2014/main" val="10010"/>
+                  </a:ext>
+                </a:extLst>
               </a:tr>
               <a:tr h="310890">
                 <a:tc>
                   <a:txBody>
-                    <a:bodyPr vert="horz" wrap="square" lIns="91440" tIns="45720" rIns="91440" bIns="45720" anchor="t" anchorCtr="0">
-                      <a:spAutoFit/>
-                    </a:bodyPr>
+                    <a:bodyPr/>
+                    <a:lstStyle/>
                     <a:p>
                       <a:pPr algn="ctr">
                         <a:defRPr lang="ko-KR" altLang="en-US"/>
@@ -4420,16 +4544,14 @@
                         <a:rPr lang="ko-KR" altLang="en-US"/>
                         <a:t>9주차</a:t>
                       </a:r>
-                      <a:endParaRPr lang="ko-KR" altLang="en-US"/>
-                    </a:p>
-                  </a:txBody>
-                  <a:tcPr marL="91440" marR="91440"/>
-                </a:tc>
-                <a:tc>
-                  <a:txBody>
-                    <a:bodyPr vert="horz" wrap="square" lIns="91440" tIns="45720" rIns="91440" bIns="45720" anchor="t" anchorCtr="0">
-                      <a:spAutoFit/>
-                    </a:bodyPr>
+                    </a:p>
+                  </a:txBody>
+                  <a:tcPr/>
+                </a:tc>
+                <a:tc>
+                  <a:txBody>
+                    <a:bodyPr/>
+                    <a:lstStyle/>
                     <a:p>
                       <a:pPr>
                         <a:defRPr lang="ko-KR" altLang="en-US"/>
@@ -4438,18 +4560,21 @@
                         <a:rPr lang="ko-KR" altLang="en-US"/>
                         <a:t>게임 테스트 및 밸런스 조절</a:t>
                       </a:r>
-                      <a:endParaRPr lang="ko-KR" altLang="en-US"/>
-                    </a:p>
-                  </a:txBody>
-                  <a:tcPr marL="91440" marR="91440"/>
-                </a:tc>
+                    </a:p>
+                  </a:txBody>
+                  <a:tcPr/>
+                </a:tc>
+                <a:extLst>
+                  <a:ext uri="{0D108BD9-81ED-4DB2-BD59-A6C34878D82A}">
+                    <a16:rowId xmlns:a16="http://schemas.microsoft.com/office/drawing/2014/main" val="10011"/>
+                  </a:ext>
+                </a:extLst>
               </a:tr>
               <a:tr h="310890">
                 <a:tc>
                   <a:txBody>
-                    <a:bodyPr vert="horz" wrap="square" lIns="91440" tIns="45720" rIns="91440" bIns="45720" anchor="t" anchorCtr="0">
-                      <a:spAutoFit/>
-                    </a:bodyPr>
+                    <a:bodyPr/>
+                    <a:lstStyle/>
                     <a:p>
                       <a:pPr algn="ctr">
                         <a:defRPr lang="ko-KR" altLang="en-US"/>
@@ -4458,10 +4583,9 @@
                         <a:rPr lang="ko-KR" altLang="en-US"/>
                         <a:t>10주차</a:t>
                       </a:r>
-                      <a:endParaRPr lang="ko-KR" altLang="en-US"/>
-                    </a:p>
-                  </a:txBody>
-                  <a:tcPr marL="91440" marR="91440">
+                    </a:p>
+                  </a:txBody>
+                  <a:tcPr>
                     <a:solidFill>
                       <a:schemeClr val="accent3">
                         <a:lumMod val="20000"/>
@@ -4472,9 +4596,8 @@
                 </a:tc>
                 <a:tc>
                   <a:txBody>
-                    <a:bodyPr vert="horz" wrap="square" lIns="91440" tIns="45720" rIns="91440" bIns="45720" anchor="t" anchorCtr="0">
-                      <a:spAutoFit/>
-                    </a:bodyPr>
+                    <a:bodyPr/>
+                    <a:lstStyle/>
                     <a:p>
                       <a:pPr>
                         <a:defRPr lang="ko-KR" altLang="en-US"/>
@@ -4483,10 +4606,9 @@
                         <a:rPr lang="ko-KR" altLang="en-US"/>
                         <a:t>최종 점검 및 릴리즈</a:t>
                       </a:r>
-                      <a:endParaRPr lang="ko-KR" altLang="en-US"/>
-                    </a:p>
-                  </a:txBody>
-                  <a:tcPr marL="91440" marR="91440">
+                    </a:p>
+                  </a:txBody>
+                  <a:tcPr>
                     <a:solidFill>
                       <a:schemeClr val="accent3">
                         <a:lumMod val="20000"/>
@@ -4495,6 +4617,11 @@
                     </a:solidFill>
                   </a:tcPr>
                 </a:tc>
+                <a:extLst>
+                  <a:ext uri="{0D108BD9-81ED-4DB2-BD59-A6C34878D82A}">
+                    <a16:rowId xmlns:a16="http://schemas.microsoft.com/office/drawing/2014/main" val="10012"/>
+                  </a:ext>
+                </a:extLst>
               </a:tr>
             </a:tbl>
           </a:graphicData>
@@ -4507,7 +4634,7 @@
             <a:spLocks noGrp="1"/>
           </p:cNvSpPr>
           <p:nvPr>
-            <p:ph type="title" idx="0"/>
+            <p:ph type="title"/>
           </p:nvPr>
         </p:nvSpPr>
         <p:spPr>
@@ -4518,7 +4645,7 @@
         </p:spPr>
         <p:txBody>
           <a:bodyPr vert="horz" lIns="91440" tIns="45720" rIns="91440" bIns="45720" anchor="ctr">
-            <a:normAutofit lnSpcReduction="0"/>
+            <a:normAutofit/>
           </a:bodyPr>
           <a:lstStyle/>
           <a:p>
@@ -4529,7 +4656,6 @@
               <a:rPr lang="ko-KR" altLang="en-US"/>
               <a:t>개발진행</a:t>
             </a:r>
-            <a:endParaRPr lang="ko-KR" altLang="en-US"/>
           </a:p>
         </p:txBody>
       </p:sp>
@@ -4538,12 +4664,19 @@
   <p:clrMapOvr>
     <a:masterClrMapping/>
   </p:clrMapOvr>
-  <p:transition xmlns:mc="http://schemas.openxmlformats.org/markup-compatibility/2006" xmlns:hp="http://schemas.haansoft.com/office/presentation/8.0" mc:Ignorable="hp" hp:hslDur="500"/>
+  <p:transition/>
+  <p:timing>
+    <p:tnLst>
+      <p:par>
+        <p:cTn id="1" dur="indefinite" restart="never" nodeType="tmRoot"/>
+      </p:par>
+    </p:tnLst>
+  </p:timing>
 </p:sld>
 </file>
 
 <file path=ppt/slides/slide5.xml><?xml version="1.0" encoding="utf-8"?>
-<p:sld xmlns:r="http://schemas.openxmlformats.org/officeDocument/2006/relationships" xmlns:c="http://schemas.openxmlformats.org/drawingml/2006/chart" xmlns:a="http://schemas.openxmlformats.org/drawingml/2006/main" xmlns:dgm="http://schemas.openxmlformats.org/drawingml/2006/diagram" xmlns:dsp="http://schemas.microsoft.com/office/drawing/2008/diagram" xmlns:p="http://schemas.openxmlformats.org/presentationml/2006/main">
+<p:sld xmlns:a="http://schemas.openxmlformats.org/drawingml/2006/main" xmlns:r="http://schemas.openxmlformats.org/officeDocument/2006/relationships" xmlns:p="http://schemas.openxmlformats.org/presentationml/2006/main">
   <p:cSld>
     <p:spTree>
       <p:nvGrpSpPr>
@@ -4566,7 +4699,7 @@
             <a:spLocks noGrp="1"/>
           </p:cNvSpPr>
           <p:nvPr>
-            <p:ph type="title" idx="0"/>
+            <p:ph type="title"/>
           </p:nvPr>
         </p:nvSpPr>
         <p:spPr/>
@@ -4593,13 +4726,12 @@
               <a:rPr lang="ko-KR" altLang="en-US"/>
               <a:t>그래프</a:t>
             </a:r>
-            <a:endParaRPr lang="ko-KR" altLang="en-US"/>
           </a:p>
         </p:txBody>
       </p:sp>
       <p:pic>
         <p:nvPicPr>
-          <p:cNvPr id="4" name=""/>
+          <p:cNvPr id="4" name="그림 3"/>
           <p:cNvPicPr>
             <a:picLocks noChangeAspect="1"/>
           </p:cNvPicPr>
@@ -4626,12 +4758,19 @@
   <p:clrMapOvr>
     <a:masterClrMapping/>
   </p:clrMapOvr>
-  <p:transition xmlns:mc="http://schemas.openxmlformats.org/markup-compatibility/2006" xmlns:hp="http://schemas.haansoft.com/office/presentation/8.0" mc:Ignorable="hp" hp:hslDur="500"/>
+  <p:transition/>
+  <p:timing>
+    <p:tnLst>
+      <p:par>
+        <p:cTn id="1" dur="indefinite" restart="never" nodeType="tmRoot"/>
+      </p:par>
+    </p:tnLst>
+  </p:timing>
 </p:sld>
 </file>
 
 <file path=ppt/slides/slide6.xml><?xml version="1.0" encoding="utf-8"?>
-<p:sld xmlns:r="http://schemas.openxmlformats.org/officeDocument/2006/relationships" xmlns:c="http://schemas.openxmlformats.org/drawingml/2006/chart" xmlns:a="http://schemas.openxmlformats.org/drawingml/2006/main" xmlns:dgm="http://schemas.openxmlformats.org/drawingml/2006/diagram" xmlns:dsp="http://schemas.microsoft.com/office/drawing/2008/diagram" xmlns:p="http://schemas.openxmlformats.org/presentationml/2006/main">
+<p:sld xmlns:a="http://schemas.openxmlformats.org/drawingml/2006/main" xmlns:r="http://schemas.openxmlformats.org/officeDocument/2006/relationships" xmlns:p="http://schemas.openxmlformats.org/presentationml/2006/main">
   <p:cSld>
     <p:spTree>
       <p:nvGrpSpPr>
@@ -4649,7 +4788,7 @@
       </p:grpSpPr>
       <p:graphicFrame>
         <p:nvGraphicFramePr>
-          <p:cNvPr id="4" name=""/>
+          <p:cNvPr id="4" name="표 3"/>
           <p:cNvGraphicFramePr>
             <a:graphicFrameLocks noGrp="1"/>
           </p:cNvGraphicFramePr>
@@ -4666,15 +4805,26 @@
                 <a:tableStyleId>{01A66EDD-3DAB-4C5B-A090-DC80EC1FD486}</a:tableStyleId>
               </a:tblPr>
               <a:tblGrid>
-                <a:gridCol w="3853685"/>
-                <a:gridCol w="3851278"/>
+                <a:gridCol w="3853685">
+                  <a:extLst>
+                    <a:ext uri="{9D8B030D-6E8A-4147-A177-3AD203B41FA5}">
+                      <a16:colId xmlns:a16="http://schemas.microsoft.com/office/drawing/2014/main" val="20000"/>
+                    </a:ext>
+                  </a:extLst>
+                </a:gridCol>
+                <a:gridCol w="3851278">
+                  <a:extLst>
+                    <a:ext uri="{9D8B030D-6E8A-4147-A177-3AD203B41FA5}">
+                      <a16:colId xmlns:a16="http://schemas.microsoft.com/office/drawing/2014/main" val="20001"/>
+                    </a:ext>
+                  </a:extLst>
+                </a:gridCol>
               </a:tblGrid>
               <a:tr h="523458">
                 <a:tc>
                   <a:txBody>
-                    <a:bodyPr vert="horz" wrap="square" lIns="91440" tIns="45720" rIns="91440" bIns="45720" anchor="t" anchorCtr="0">
-                      <a:spAutoFit/>
-                    </a:bodyPr>
+                    <a:bodyPr/>
+                    <a:lstStyle/>
                     <a:p>
                       <a:pPr>
                         <a:defRPr lang="ko-KR" altLang="en-US"/>
@@ -4683,16 +4833,14 @@
                         <a:rPr lang="ko-KR" altLang="en-US"/>
                         <a:t>평가항목</a:t>
                       </a:r>
-                      <a:endParaRPr lang="ko-KR" altLang="en-US"/>
-                    </a:p>
-                  </a:txBody>
-                  <a:tcPr marL="91440" marR="91440"/>
-                </a:tc>
-                <a:tc>
-                  <a:txBody>
-                    <a:bodyPr vert="horz" wrap="square" lIns="91440" tIns="45720" rIns="91440" bIns="45720" anchor="t" anchorCtr="0">
-                      <a:spAutoFit/>
-                    </a:bodyPr>
+                    </a:p>
+                  </a:txBody>
+                  <a:tcPr/>
+                </a:tc>
+                <a:tc>
+                  <a:txBody>
+                    <a:bodyPr/>
+                    <a:lstStyle/>
                     <a:p>
                       <a:pPr>
                         <a:defRPr lang="ko-KR" altLang="en-US"/>
@@ -4701,18 +4849,21 @@
                         <a:rPr lang="ko-KR" altLang="en-US"/>
                         <a:t>평가</a:t>
                       </a:r>
-                      <a:endParaRPr lang="ko-KR" altLang="en-US"/>
-                    </a:p>
-                  </a:txBody>
-                  <a:tcPr marL="91440" marR="91440"/>
-                </a:tc>
+                    </a:p>
+                  </a:txBody>
+                  <a:tcPr/>
+                </a:tc>
+                <a:extLst>
+                  <a:ext uri="{0D108BD9-81ED-4DB2-BD59-A6C34878D82A}">
+                    <a16:rowId xmlns:a16="http://schemas.microsoft.com/office/drawing/2014/main" val="10000"/>
+                  </a:ext>
+                </a:extLst>
               </a:tr>
               <a:tr h="908881">
                 <a:tc>
                   <a:txBody>
-                    <a:bodyPr vert="horz" wrap="square" lIns="91440" tIns="45720" rIns="91440" bIns="45720" anchor="t" anchorCtr="0">
-                      <a:spAutoFit/>
-                    </a:bodyPr>
+                    <a:bodyPr/>
+                    <a:lstStyle/>
                     <a:p>
                       <a:pPr>
                         <a:defRPr lang="ko-KR" altLang="en-US"/>
@@ -4721,16 +4872,14 @@
                         <a:rPr lang="ko-KR" altLang="en-US"/>
                         <a:t>발표자료에 포함할 내용을 다 포함했는가?</a:t>
                       </a:r>
-                      <a:endParaRPr lang="ko-KR" altLang="en-US"/>
-                    </a:p>
-                  </a:txBody>
-                  <a:tcPr marL="91440" marR="91440"/>
-                </a:tc>
-                <a:tc>
-                  <a:txBody>
-                    <a:bodyPr vert="horz" wrap="square" lIns="91440" tIns="45720" rIns="91440" bIns="45720" anchor="t" anchorCtr="0">
-                      <a:spAutoFit/>
-                    </a:bodyPr>
+                    </a:p>
+                  </a:txBody>
+                  <a:tcPr/>
+                </a:tc>
+                <a:tc>
+                  <a:txBody>
+                    <a:bodyPr/>
+                    <a:lstStyle/>
                     <a:p>
                       <a:pPr>
                         <a:defRPr lang="ko-KR" altLang="en-US"/>
@@ -4739,18 +4888,21 @@
                         <a:rPr lang="en-US" altLang="ko-KR"/>
                         <a:t>A</a:t>
                       </a:r>
-                      <a:endParaRPr lang="en-US" altLang="ko-KR"/>
-                    </a:p>
-                  </a:txBody>
-                  <a:tcPr marL="91440" marR="91440"/>
-                </a:tc>
+                    </a:p>
+                  </a:txBody>
+                  <a:tcPr/>
+                </a:tc>
+                <a:extLst>
+                  <a:ext uri="{0D108BD9-81ED-4DB2-BD59-A6C34878D82A}">
+                    <a16:rowId xmlns:a16="http://schemas.microsoft.com/office/drawing/2014/main" val="10001"/>
+                  </a:ext>
+                </a:extLst>
               </a:tr>
               <a:tr h="908881">
                 <a:tc>
                   <a:txBody>
-                    <a:bodyPr vert="horz" wrap="square" lIns="91440" tIns="45720" rIns="91440" bIns="45720" anchor="t" anchorCtr="0">
-                      <a:spAutoFit/>
-                    </a:bodyPr>
+                    <a:bodyPr/>
+                    <a:lstStyle/>
                     <a:p>
                       <a:pPr>
                         <a:defRPr lang="ko-KR" altLang="en-US"/>
@@ -4759,16 +4911,14 @@
                         <a:rPr lang="ko-KR" altLang="en-US"/>
                         <a:t>계획 대비 일정은 잘 지켰는가?</a:t>
                       </a:r>
-                      <a:endParaRPr lang="ko-KR" altLang="en-US"/>
-                    </a:p>
-                  </a:txBody>
-                  <a:tcPr marL="91440" marR="91440"/>
-                </a:tc>
-                <a:tc>
-                  <a:txBody>
-                    <a:bodyPr vert="horz" wrap="square" lIns="91440" tIns="45720" rIns="91440" bIns="45720" anchor="t" anchorCtr="0">
-                      <a:spAutoFit/>
-                    </a:bodyPr>
+                    </a:p>
+                  </a:txBody>
+                  <a:tcPr/>
+                </a:tc>
+                <a:tc>
+                  <a:txBody>
+                    <a:bodyPr/>
+                    <a:lstStyle/>
                     <a:p>
                       <a:pPr>
                         <a:defRPr lang="ko-KR" altLang="en-US"/>
@@ -4777,18 +4927,21 @@
                         <a:rPr lang="en-US" altLang="ko-KR"/>
                         <a:t>B</a:t>
                       </a:r>
-                      <a:endParaRPr lang="en-US" altLang="ko-KR"/>
-                    </a:p>
-                  </a:txBody>
-                  <a:tcPr marL="91440" marR="91440"/>
-                </a:tc>
+                    </a:p>
+                  </a:txBody>
+                  <a:tcPr/>
+                </a:tc>
+                <a:extLst>
+                  <a:ext uri="{0D108BD9-81ED-4DB2-BD59-A6C34878D82A}">
+                    <a16:rowId xmlns:a16="http://schemas.microsoft.com/office/drawing/2014/main" val="10002"/>
+                  </a:ext>
+                </a:extLst>
               </a:tr>
               <a:tr h="908881">
                 <a:tc>
                   <a:txBody>
-                    <a:bodyPr vert="horz" wrap="square" lIns="91440" tIns="45720" rIns="91440" bIns="45720" anchor="t" anchorCtr="0">
-                      <a:spAutoFit/>
-                    </a:bodyPr>
+                    <a:bodyPr/>
+                    <a:lstStyle/>
                     <a:p>
                       <a:pPr>
                         <a:defRPr lang="ko-KR" altLang="en-US"/>
@@ -4797,16 +4950,14 @@
                         <a:rPr lang="ko-KR" altLang="en-US"/>
                         <a:t>게임 프로토타입은 실행이 잘 되는가?</a:t>
                       </a:r>
-                      <a:endParaRPr lang="ko-KR" altLang="en-US"/>
-                    </a:p>
-                  </a:txBody>
-                  <a:tcPr marL="91440" marR="91440"/>
-                </a:tc>
-                <a:tc>
-                  <a:txBody>
-                    <a:bodyPr vert="horz" wrap="square" lIns="91440" tIns="45720" rIns="91440" bIns="45720" anchor="t" anchorCtr="0">
-                      <a:spAutoFit/>
-                    </a:bodyPr>
+                    </a:p>
+                  </a:txBody>
+                  <a:tcPr/>
+                </a:tc>
+                <a:tc>
+                  <a:txBody>
+                    <a:bodyPr/>
+                    <a:lstStyle/>
                     <a:p>
                       <a:pPr>
                         <a:defRPr lang="ko-KR" altLang="en-US"/>
@@ -4815,18 +4966,21 @@
                         <a:rPr lang="en-US" altLang="ko-KR"/>
                         <a:t>A</a:t>
                       </a:r>
-                      <a:endParaRPr lang="en-US" altLang="ko-KR"/>
-                    </a:p>
-                  </a:txBody>
-                  <a:tcPr marL="91440" marR="91440"/>
-                </a:tc>
+                    </a:p>
+                  </a:txBody>
+                  <a:tcPr/>
+                </a:tc>
+                <a:extLst>
+                  <a:ext uri="{0D108BD9-81ED-4DB2-BD59-A6C34878D82A}">
+                    <a16:rowId xmlns:a16="http://schemas.microsoft.com/office/drawing/2014/main" val="10003"/>
+                  </a:ext>
+                </a:extLst>
               </a:tr>
               <a:tr h="908881">
                 <a:tc>
                   <a:txBody>
-                    <a:bodyPr vert="horz" wrap="square" lIns="91440" tIns="45720" rIns="91440" bIns="45720" anchor="t" anchorCtr="0">
-                      <a:spAutoFit/>
-                    </a:bodyPr>
+                    <a:bodyPr/>
+                    <a:lstStyle/>
                     <a:p>
                       <a:pPr>
                         <a:defRPr lang="ko-KR" altLang="en-US"/>
@@ -4835,16 +4989,14 @@
                         <a:rPr lang="ko-KR" altLang="en-US"/>
                         <a:t>동영상의 화면과 소리 상태는 양호한가?</a:t>
                       </a:r>
-                      <a:endParaRPr lang="ko-KR" altLang="en-US"/>
-                    </a:p>
-                  </a:txBody>
-                  <a:tcPr marL="91440" marR="91440"/>
-                </a:tc>
-                <a:tc>
-                  <a:txBody>
-                    <a:bodyPr vert="horz" wrap="square" lIns="91440" tIns="45720" rIns="91440" bIns="45720" anchor="t" anchorCtr="0">
-                      <a:spAutoFit/>
-                    </a:bodyPr>
+                    </a:p>
+                  </a:txBody>
+                  <a:tcPr/>
+                </a:tc>
+                <a:tc>
+                  <a:txBody>
+                    <a:bodyPr/>
+                    <a:lstStyle/>
                     <a:p>
                       <a:pPr>
                         <a:defRPr lang="ko-KR" altLang="en-US"/>
@@ -4853,11 +5005,15 @@
                         <a:rPr lang="en-US" altLang="ko-KR"/>
                         <a:t>B</a:t>
                       </a:r>
-                      <a:endParaRPr lang="en-US" altLang="ko-KR"/>
-                    </a:p>
-                  </a:txBody>
-                  <a:tcPr marL="91440" marR="91440"/>
-                </a:tc>
+                    </a:p>
+                  </a:txBody>
+                  <a:tcPr/>
+                </a:tc>
+                <a:extLst>
+                  <a:ext uri="{0D108BD9-81ED-4DB2-BD59-A6C34878D82A}">
+                    <a16:rowId xmlns:a16="http://schemas.microsoft.com/office/drawing/2014/main" val="10004"/>
+                  </a:ext>
+                </a:extLst>
               </a:tr>
             </a:tbl>
           </a:graphicData>
@@ -4870,7 +5026,7 @@
             <a:spLocks noGrp="1"/>
           </p:cNvSpPr>
           <p:nvPr>
-            <p:ph type="title" idx="0"/>
+            <p:ph type="title"/>
           </p:nvPr>
         </p:nvSpPr>
         <p:spPr>
@@ -4881,7 +5037,7 @@
         </p:spPr>
         <p:txBody>
           <a:bodyPr vert="horz" lIns="91440" tIns="45720" rIns="91440" bIns="45720" anchor="ctr">
-            <a:normAutofit lnSpcReduction="0"/>
+            <a:normAutofit/>
           </a:bodyPr>
           <a:lstStyle/>
           <a:p>
@@ -4892,7 +5048,6 @@
               <a:rPr lang="ko-KR" altLang="en-US"/>
               <a:t>자체평가</a:t>
             </a:r>
-            <a:endParaRPr lang="ko-KR" altLang="en-US"/>
           </a:p>
         </p:txBody>
       </p:sp>
@@ -4901,46 +5056,53 @@
   <p:clrMapOvr>
     <a:masterClrMapping/>
   </p:clrMapOvr>
-  <p:transition xmlns:mc="http://schemas.openxmlformats.org/markup-compatibility/2006" xmlns:hp="http://schemas.haansoft.com/office/presentation/8.0" mc:Ignorable="hp" hp:hslDur="500"/>
+  <p:transition/>
+  <p:timing>
+    <p:tnLst>
+      <p:par>
+        <p:cTn id="1" dur="indefinite" restart="never" nodeType="tmRoot"/>
+      </p:par>
+    </p:tnLst>
+  </p:timing>
 </p:sld>
 </file>
 
 <file path=ppt/theme/theme1.xml><?xml version="1.0" encoding="utf-8"?>
-<a:theme xmlns:r="http://schemas.openxmlformats.org/officeDocument/2006/relationships" xmlns:c="http://schemas.openxmlformats.org/drawingml/2006/chart" xmlns:dgm="http://schemas.openxmlformats.org/drawingml/2006/diagram" xmlns:dsp="http://schemas.microsoft.com/office/drawing/2008/diagram" xmlns:a="http://schemas.openxmlformats.org/drawingml/2006/main" xmlns:pic="http://schemas.openxmlformats.org/drawingml/2006/picture" xmlns:wp="http://schemas.openxmlformats.org/drawingml/2006/wordprocessingDrawing" xmlns:xdr="http://schemas.openxmlformats.org/drawingml/2006/spreadsheetDrawing" name="한컴오피스">
+<a:theme xmlns:a="http://schemas.openxmlformats.org/drawingml/2006/main" name="한컴오피스">
   <a:themeElements>
     <a:clrScheme name="한컴오피스">
       <a:dk1>
         <a:sysClr val="windowText" lastClr="000000"/>
       </a:dk1>
       <a:lt1>
-        <a:sysClr val="window" lastClr="ffffff"/>
+        <a:sysClr val="window" lastClr="FFFFFF"/>
       </a:lt1>
       <a:dk2>
-        <a:srgbClr val="1c3d62"/>
+        <a:srgbClr val="1C3D62"/>
       </a:dk2>
       <a:lt2>
-        <a:srgbClr val="e3dcc1"/>
+        <a:srgbClr val="E3DCC1"/>
       </a:lt2>
       <a:accent1>
-        <a:srgbClr val="315f97"/>
+        <a:srgbClr val="315F97"/>
       </a:accent1>
       <a:accent2>
-        <a:srgbClr val="c75252"/>
+        <a:srgbClr val="C75252"/>
       </a:accent2>
       <a:accent3>
-        <a:srgbClr val="e9ae2b"/>
+        <a:srgbClr val="E9AE2B"/>
       </a:accent3>
       <a:accent4>
-        <a:srgbClr val="699b37"/>
+        <a:srgbClr val="699B37"/>
       </a:accent4>
       <a:accent5>
         <a:srgbClr val="358791"/>
       </a:accent5>
       <a:accent6>
-        <a:srgbClr val="ca56a7"/>
+        <a:srgbClr val="CA56A7"/>
       </a:accent6>
       <a:hlink>
-        <a:srgbClr val="0000ff"/>
+        <a:srgbClr val="0000FF"/>
       </a:hlink>
       <a:folHlink>
         <a:srgbClr val="800080"/>
@@ -5109,5 +5271,7 @@
       </a:bgFillStyleLst>
     </a:fmtScheme>
   </a:themeElements>
+  <a:objectDefaults/>
+  <a:extraClrSchemeLst/>
 </a:theme>
 </file>